--- a/Presentation/thesis_overview.pptx
+++ b/Presentation/thesis_overview.pptx
@@ -6,7 +6,8 @@
   </p:sldMasterIdLst>
   <p:sldIdLst>
     <p:sldId id="256" r:id="rId2"/>
-    <p:sldId id="257" r:id="rId3"/>
+    <p:sldId id="258" r:id="rId3"/>
+    <p:sldId id="257" r:id="rId4"/>
   </p:sldIdLst>
   <p:sldSz cx="12192000" cy="6858000"/>
   <p:notesSz cx="6858000" cy="9144000"/>
@@ -105,6 +106,11 @@
       </a:defRPr>
     </a:lvl9pPr>
   </p:defaultTextStyle>
+  <p:extLst>
+    <p:ext uri="{EFAFB233-063F-42B5-8137-9DF3F51BA10A}">
+      <p15:sldGuideLst xmlns:p15="http://schemas.microsoft.com/office/powerpoint/2012/main"/>
+    </p:ext>
+  </p:extLst>
 </p:presentation>
 </file>
 
@@ -257,7 +263,7 @@
           <a:p>
             <a:fld id="{91DA2ABD-56CF-4AF0-B768-68FBFFFF9BC8}" type="datetimeFigureOut">
               <a:rPr lang="en-GB" smtClean="0"/>
-              <a:t>24/05/2021</a:t>
+              <a:t>25/05/2021</a:t>
             </a:fld>
             <a:endParaRPr lang="en-GB"/>
           </a:p>
@@ -457,7 +463,7 @@
           <a:p>
             <a:fld id="{91DA2ABD-56CF-4AF0-B768-68FBFFFF9BC8}" type="datetimeFigureOut">
               <a:rPr lang="en-GB" smtClean="0"/>
-              <a:t>24/05/2021</a:t>
+              <a:t>25/05/2021</a:t>
             </a:fld>
             <a:endParaRPr lang="en-GB"/>
           </a:p>
@@ -667,7 +673,7 @@
           <a:p>
             <a:fld id="{91DA2ABD-56CF-4AF0-B768-68FBFFFF9BC8}" type="datetimeFigureOut">
               <a:rPr lang="en-GB" smtClean="0"/>
-              <a:t>24/05/2021</a:t>
+              <a:t>25/05/2021</a:t>
             </a:fld>
             <a:endParaRPr lang="en-GB"/>
           </a:p>
@@ -867,7 +873,7 @@
           <a:p>
             <a:fld id="{91DA2ABD-56CF-4AF0-B768-68FBFFFF9BC8}" type="datetimeFigureOut">
               <a:rPr lang="en-GB" smtClean="0"/>
-              <a:t>24/05/2021</a:t>
+              <a:t>25/05/2021</a:t>
             </a:fld>
             <a:endParaRPr lang="en-GB"/>
           </a:p>
@@ -1143,7 +1149,7 @@
           <a:p>
             <a:fld id="{91DA2ABD-56CF-4AF0-B768-68FBFFFF9BC8}" type="datetimeFigureOut">
               <a:rPr lang="en-GB" smtClean="0"/>
-              <a:t>24/05/2021</a:t>
+              <a:t>25/05/2021</a:t>
             </a:fld>
             <a:endParaRPr lang="en-GB"/>
           </a:p>
@@ -1411,7 +1417,7 @@
           <a:p>
             <a:fld id="{91DA2ABD-56CF-4AF0-B768-68FBFFFF9BC8}" type="datetimeFigureOut">
               <a:rPr lang="en-GB" smtClean="0"/>
-              <a:t>24/05/2021</a:t>
+              <a:t>25/05/2021</a:t>
             </a:fld>
             <a:endParaRPr lang="en-GB"/>
           </a:p>
@@ -1826,7 +1832,7 @@
           <a:p>
             <a:fld id="{91DA2ABD-56CF-4AF0-B768-68FBFFFF9BC8}" type="datetimeFigureOut">
               <a:rPr lang="en-GB" smtClean="0"/>
-              <a:t>24/05/2021</a:t>
+              <a:t>25/05/2021</a:t>
             </a:fld>
             <a:endParaRPr lang="en-GB"/>
           </a:p>
@@ -1968,7 +1974,7 @@
           <a:p>
             <a:fld id="{91DA2ABD-56CF-4AF0-B768-68FBFFFF9BC8}" type="datetimeFigureOut">
               <a:rPr lang="en-GB" smtClean="0"/>
-              <a:t>24/05/2021</a:t>
+              <a:t>25/05/2021</a:t>
             </a:fld>
             <a:endParaRPr lang="en-GB"/>
           </a:p>
@@ -2081,7 +2087,7 @@
           <a:p>
             <a:fld id="{91DA2ABD-56CF-4AF0-B768-68FBFFFF9BC8}" type="datetimeFigureOut">
               <a:rPr lang="en-GB" smtClean="0"/>
-              <a:t>24/05/2021</a:t>
+              <a:t>25/05/2021</a:t>
             </a:fld>
             <a:endParaRPr lang="en-GB"/>
           </a:p>
@@ -2394,7 +2400,7 @@
           <a:p>
             <a:fld id="{91DA2ABD-56CF-4AF0-B768-68FBFFFF9BC8}" type="datetimeFigureOut">
               <a:rPr lang="en-GB" smtClean="0"/>
-              <a:t>24/05/2021</a:t>
+              <a:t>25/05/2021</a:t>
             </a:fld>
             <a:endParaRPr lang="en-GB"/>
           </a:p>
@@ -2683,7 +2689,7 @@
           <a:p>
             <a:fld id="{91DA2ABD-56CF-4AF0-B768-68FBFFFF9BC8}" type="datetimeFigureOut">
               <a:rPr lang="en-GB" smtClean="0"/>
-              <a:t>24/05/2021</a:t>
+              <a:t>25/05/2021</a:t>
             </a:fld>
             <a:endParaRPr lang="en-GB"/>
           </a:p>
@@ -2926,7 +2932,7 @@
           <a:p>
             <a:fld id="{91DA2ABD-56CF-4AF0-B768-68FBFFFF9BC8}" type="datetimeFigureOut">
               <a:rPr lang="en-GB" smtClean="0"/>
-              <a:t>24/05/2021</a:t>
+              <a:t>25/05/2021</a:t>
             </a:fld>
             <a:endParaRPr lang="en-GB"/>
           </a:p>
@@ -3451,8 +3457,122 @@
           <a:lstStyle/>
           <a:p>
             <a:r>
+              <a:rPr lang="en-GB" dirty="0"/>
+              <a:t>Chapter 1: Introduction</a:t>
+            </a:r>
+          </a:p>
+        </p:txBody>
+      </p:sp>
+      <p:sp>
+        <p:nvSpPr>
+          <p:cNvPr id="3" name="Content Placeholder 2">
+            <a:extLst>
+              <a:ext uri="{FF2B5EF4-FFF2-40B4-BE49-F238E27FC236}">
+                <a16:creationId xmlns:a16="http://schemas.microsoft.com/office/drawing/2014/main" id="{03A3CFC4-5312-46DB-A820-53E83177957A}"/>
+              </a:ext>
+            </a:extLst>
+          </p:cNvPr>
+          <p:cNvSpPr>
+            <a:spLocks noGrp="1"/>
+          </p:cNvSpPr>
+          <p:nvPr>
+            <p:ph idx="1"/>
+          </p:nvPr>
+        </p:nvSpPr>
+        <p:spPr/>
+        <p:txBody>
+          <a:bodyPr/>
+          <a:lstStyle/>
+          <a:p>
+            <a:r>
+              <a:rPr lang="en-GB" dirty="0"/>
+              <a:t>Solar atmosphere</a:t>
+            </a:r>
+          </a:p>
+          <a:p>
+            <a:r>
+              <a:rPr lang="en-GB" dirty="0"/>
+              <a:t>Coronal heating problem</a:t>
+            </a:r>
+          </a:p>
+          <a:p>
+            <a:r>
+              <a:rPr lang="en-GB" dirty="0"/>
+              <a:t>MHD equations &amp; assumptions</a:t>
+            </a:r>
+          </a:p>
+          <a:p>
+            <a:r>
+              <a:rPr lang="en-GB" dirty="0"/>
+              <a:t>MHD waves: dispersion relation</a:t>
+            </a:r>
+          </a:p>
+          <a:p>
+            <a:r>
+              <a:rPr lang="en-GB" dirty="0"/>
+              <a:t>MHD waves: power spectrum</a:t>
+            </a:r>
+          </a:p>
+        </p:txBody>
+      </p:sp>
+    </p:spTree>
+    <p:extLst>
+      <p:ext uri="{BB962C8B-B14F-4D97-AF65-F5344CB8AC3E}">
+        <p14:creationId xmlns:p14="http://schemas.microsoft.com/office/powerpoint/2010/main" val="2739917218"/>
+      </p:ext>
+    </p:extLst>
+  </p:cSld>
+  <p:clrMapOvr>
+    <a:masterClrMapping/>
+  </p:clrMapOvr>
+</p:sld>
+</file>
+
+<file path=ppt/slides/slide3.xml><?xml version="1.0" encoding="utf-8"?>
+<p:sld xmlns:a="http://schemas.openxmlformats.org/drawingml/2006/main" xmlns:r="http://schemas.openxmlformats.org/officeDocument/2006/relationships" xmlns:p="http://schemas.openxmlformats.org/presentationml/2006/main">
+  <p:cSld>
+    <p:spTree>
+      <p:nvGrpSpPr>
+        <p:cNvPr id="1" name=""/>
+        <p:cNvGrpSpPr/>
+        <p:nvPr/>
+      </p:nvGrpSpPr>
+      <p:grpSpPr>
+        <a:xfrm>
+          <a:off x="0" y="0"/>
+          <a:ext cx="0" cy="0"/>
+          <a:chOff x="0" y="0"/>
+          <a:chExt cx="0" cy="0"/>
+        </a:xfrm>
+      </p:grpSpPr>
+      <p:sp>
+        <p:nvSpPr>
+          <p:cNvPr id="2" name="Title 1">
+            <a:extLst>
+              <a:ext uri="{FF2B5EF4-FFF2-40B4-BE49-F238E27FC236}">
+                <a16:creationId xmlns:a16="http://schemas.microsoft.com/office/drawing/2014/main" id="{E2F8EC9B-CA0F-4853-89CF-EFDF04686291}"/>
+              </a:ext>
+            </a:extLst>
+          </p:cNvPr>
+          <p:cNvSpPr>
+            <a:spLocks noGrp="1"/>
+          </p:cNvSpPr>
+          <p:nvPr>
+            <p:ph type="title"/>
+          </p:nvPr>
+        </p:nvSpPr>
+        <p:spPr/>
+        <p:txBody>
+          <a:bodyPr/>
+          <a:lstStyle/>
+          <a:p>
+            <a:r>
+              <a:rPr lang="en-GB" dirty="0"/>
+              <a:t>Chapter 2: Ideal </a:t>
+            </a:r>
+            <a:r>
               <a:rPr lang="en-GB" dirty="0" err="1"/>
-              <a:t>Footpoint</a:t>
+              <a:t>footpoint</a:t>
             </a:r>
             <a:r>
               <a:rPr lang="en-GB" dirty="0"/>

--- a/Presentation/thesis_overview.pptx
+++ b/Presentation/thesis_overview.pptx
@@ -4,10 +4,18 @@
   <p:sldMasterIdLst>
     <p:sldMasterId id="2147483648" r:id="rId1"/>
   </p:sldMasterIdLst>
+  <p:notesMasterIdLst>
+    <p:notesMasterId r:id="rId10"/>
+  </p:notesMasterIdLst>
   <p:sldIdLst>
     <p:sldId id="256" r:id="rId2"/>
     <p:sldId id="258" r:id="rId3"/>
     <p:sldId id="257" r:id="rId4"/>
+    <p:sldId id="260" r:id="rId5"/>
+    <p:sldId id="259" r:id="rId6"/>
+    <p:sldId id="261" r:id="rId7"/>
+    <p:sldId id="262" r:id="rId8"/>
+    <p:sldId id="263" r:id="rId9"/>
   </p:sldIdLst>
   <p:sldSz cx="12192000" cy="6858000"/>
   <p:notesSz cx="6858000" cy="9144000"/>
@@ -112,6 +120,633 @@
     </p:ext>
   </p:extLst>
 </p:presentation>
+</file>
+
+<file path=ppt/notesMasters/notesMaster1.xml><?xml version="1.0" encoding="utf-8"?>
+<p:notesMaster xmlns:a="http://schemas.openxmlformats.org/drawingml/2006/main" xmlns:r="http://schemas.openxmlformats.org/officeDocument/2006/relationships" xmlns:p="http://schemas.openxmlformats.org/presentationml/2006/main">
+  <p:cSld>
+    <p:bg>
+      <p:bgRef idx="1001">
+        <a:schemeClr val="bg1"/>
+      </p:bgRef>
+    </p:bg>
+    <p:spTree>
+      <p:nvGrpSpPr>
+        <p:cNvPr id="1" name=""/>
+        <p:cNvGrpSpPr/>
+        <p:nvPr/>
+      </p:nvGrpSpPr>
+      <p:grpSpPr>
+        <a:xfrm>
+          <a:off x="0" y="0"/>
+          <a:ext cx="0" cy="0"/>
+          <a:chOff x="0" y="0"/>
+          <a:chExt cx="0" cy="0"/>
+        </a:xfrm>
+      </p:grpSpPr>
+      <p:sp>
+        <p:nvSpPr>
+          <p:cNvPr id="2" name="Header Placeholder 1"/>
+          <p:cNvSpPr>
+            <a:spLocks noGrp="1"/>
+          </p:cNvSpPr>
+          <p:nvPr>
+            <p:ph type="hdr" sz="quarter"/>
+          </p:nvPr>
+        </p:nvSpPr>
+        <p:spPr>
+          <a:xfrm>
+            <a:off x="0" y="0"/>
+            <a:ext cx="2971800" cy="458788"/>
+          </a:xfrm>
+          <a:prstGeom prst="rect">
+            <a:avLst/>
+          </a:prstGeom>
+        </p:spPr>
+        <p:txBody>
+          <a:bodyPr vert="horz" lIns="91440" tIns="45720" rIns="91440" bIns="45720" rtlCol="0"/>
+          <a:lstStyle>
+            <a:lvl1pPr algn="l">
+              <a:defRPr sz="1200"/>
+            </a:lvl1pPr>
+          </a:lstStyle>
+          <a:p>
+            <a:endParaRPr lang="en-GB"/>
+          </a:p>
+        </p:txBody>
+      </p:sp>
+      <p:sp>
+        <p:nvSpPr>
+          <p:cNvPr id="3" name="Date Placeholder 2"/>
+          <p:cNvSpPr>
+            <a:spLocks noGrp="1"/>
+          </p:cNvSpPr>
+          <p:nvPr>
+            <p:ph type="dt" idx="1"/>
+          </p:nvPr>
+        </p:nvSpPr>
+        <p:spPr>
+          <a:xfrm>
+            <a:off x="3884613" y="0"/>
+            <a:ext cx="2971800" cy="458788"/>
+          </a:xfrm>
+          <a:prstGeom prst="rect">
+            <a:avLst/>
+          </a:prstGeom>
+        </p:spPr>
+        <p:txBody>
+          <a:bodyPr vert="horz" lIns="91440" tIns="45720" rIns="91440" bIns="45720" rtlCol="0"/>
+          <a:lstStyle>
+            <a:lvl1pPr algn="r">
+              <a:defRPr sz="1200"/>
+            </a:lvl1pPr>
+          </a:lstStyle>
+          <a:p>
+            <a:fld id="{76EB899B-6C3D-4978-B2ED-7DF7A3953BBE}" type="datetimeFigureOut">
+              <a:rPr lang="en-GB" smtClean="0"/>
+              <a:t>25/05/2021</a:t>
+            </a:fld>
+            <a:endParaRPr lang="en-GB"/>
+          </a:p>
+        </p:txBody>
+      </p:sp>
+      <p:sp>
+        <p:nvSpPr>
+          <p:cNvPr id="4" name="Slide Image Placeholder 3"/>
+          <p:cNvSpPr>
+            <a:spLocks noGrp="1" noRot="1" noChangeAspect="1"/>
+          </p:cNvSpPr>
+          <p:nvPr>
+            <p:ph type="sldImg" idx="2"/>
+          </p:nvPr>
+        </p:nvSpPr>
+        <p:spPr>
+          <a:xfrm>
+            <a:off x="685800" y="1143000"/>
+            <a:ext cx="5486400" cy="3086100"/>
+          </a:xfrm>
+          <a:prstGeom prst="rect">
+            <a:avLst/>
+          </a:prstGeom>
+          <a:noFill/>
+          <a:ln w="12700">
+            <a:solidFill>
+              <a:prstClr val="black"/>
+            </a:solidFill>
+          </a:ln>
+        </p:spPr>
+        <p:txBody>
+          <a:bodyPr vert="horz" lIns="91440" tIns="45720" rIns="91440" bIns="45720" rtlCol="0" anchor="ctr"/>
+          <a:lstStyle/>
+          <a:p>
+            <a:endParaRPr lang="en-GB"/>
+          </a:p>
+        </p:txBody>
+      </p:sp>
+      <p:sp>
+        <p:nvSpPr>
+          <p:cNvPr id="5" name="Notes Placeholder 4"/>
+          <p:cNvSpPr>
+            <a:spLocks noGrp="1"/>
+          </p:cNvSpPr>
+          <p:nvPr>
+            <p:ph type="body" sz="quarter" idx="3"/>
+          </p:nvPr>
+        </p:nvSpPr>
+        <p:spPr>
+          <a:xfrm>
+            <a:off x="685800" y="4400550"/>
+            <a:ext cx="5486400" cy="3600450"/>
+          </a:xfrm>
+          <a:prstGeom prst="rect">
+            <a:avLst/>
+          </a:prstGeom>
+        </p:spPr>
+        <p:txBody>
+          <a:bodyPr vert="horz" lIns="91440" tIns="45720" rIns="91440" bIns="45720" rtlCol="0"/>
+          <a:lstStyle/>
+          <a:p>
+            <a:pPr lvl="0"/>
+            <a:r>
+              <a:rPr lang="en-US"/>
+              <a:t>Click to edit Master text styles</a:t>
+            </a:r>
+          </a:p>
+          <a:p>
+            <a:pPr lvl="1"/>
+            <a:r>
+              <a:rPr lang="en-US"/>
+              <a:t>Second level</a:t>
+            </a:r>
+          </a:p>
+          <a:p>
+            <a:pPr lvl="2"/>
+            <a:r>
+              <a:rPr lang="en-US"/>
+              <a:t>Third level</a:t>
+            </a:r>
+          </a:p>
+          <a:p>
+            <a:pPr lvl="3"/>
+            <a:r>
+              <a:rPr lang="en-US"/>
+              <a:t>Fourth level</a:t>
+            </a:r>
+          </a:p>
+          <a:p>
+            <a:pPr lvl="4"/>
+            <a:r>
+              <a:rPr lang="en-US"/>
+              <a:t>Fifth level</a:t>
+            </a:r>
+            <a:endParaRPr lang="en-GB"/>
+          </a:p>
+        </p:txBody>
+      </p:sp>
+      <p:sp>
+        <p:nvSpPr>
+          <p:cNvPr id="6" name="Footer Placeholder 5"/>
+          <p:cNvSpPr>
+            <a:spLocks noGrp="1"/>
+          </p:cNvSpPr>
+          <p:nvPr>
+            <p:ph type="ftr" sz="quarter" idx="4"/>
+          </p:nvPr>
+        </p:nvSpPr>
+        <p:spPr>
+          <a:xfrm>
+            <a:off x="0" y="8685213"/>
+            <a:ext cx="2971800" cy="458787"/>
+          </a:xfrm>
+          <a:prstGeom prst="rect">
+            <a:avLst/>
+          </a:prstGeom>
+        </p:spPr>
+        <p:txBody>
+          <a:bodyPr vert="horz" lIns="91440" tIns="45720" rIns="91440" bIns="45720" rtlCol="0" anchor="b"/>
+          <a:lstStyle>
+            <a:lvl1pPr algn="l">
+              <a:defRPr sz="1200"/>
+            </a:lvl1pPr>
+          </a:lstStyle>
+          <a:p>
+            <a:endParaRPr lang="en-GB"/>
+          </a:p>
+        </p:txBody>
+      </p:sp>
+      <p:sp>
+        <p:nvSpPr>
+          <p:cNvPr id="7" name="Slide Number Placeholder 6"/>
+          <p:cNvSpPr>
+            <a:spLocks noGrp="1"/>
+          </p:cNvSpPr>
+          <p:nvPr>
+            <p:ph type="sldNum" sz="quarter" idx="5"/>
+          </p:nvPr>
+        </p:nvSpPr>
+        <p:spPr>
+          <a:xfrm>
+            <a:off x="3884613" y="8685213"/>
+            <a:ext cx="2971800" cy="458787"/>
+          </a:xfrm>
+          <a:prstGeom prst="rect">
+            <a:avLst/>
+          </a:prstGeom>
+        </p:spPr>
+        <p:txBody>
+          <a:bodyPr vert="horz" lIns="91440" tIns="45720" rIns="91440" bIns="45720" rtlCol="0" anchor="b"/>
+          <a:lstStyle>
+            <a:lvl1pPr algn="r">
+              <a:defRPr sz="1200"/>
+            </a:lvl1pPr>
+          </a:lstStyle>
+          <a:p>
+            <a:fld id="{FF8E2075-CA56-421E-B5CA-3A21695CDA2C}" type="slidenum">
+              <a:rPr lang="en-GB" smtClean="0"/>
+              <a:t>‹#›</a:t>
+            </a:fld>
+            <a:endParaRPr lang="en-GB"/>
+          </a:p>
+        </p:txBody>
+      </p:sp>
+    </p:spTree>
+    <p:extLst>
+      <p:ext uri="{BB962C8B-B14F-4D97-AF65-F5344CB8AC3E}">
+        <p14:creationId xmlns:p14="http://schemas.microsoft.com/office/powerpoint/2010/main" val="2925916601"/>
+      </p:ext>
+    </p:extLst>
+  </p:cSld>
+  <p:clrMap bg1="lt1" tx1="dk1" bg2="lt2" tx2="dk2" accent1="accent1" accent2="accent2" accent3="accent3" accent4="accent4" accent5="accent5" accent6="accent6" hlink="hlink" folHlink="folHlink"/>
+  <p:notesStyle>
+    <a:lvl1pPr marL="0" algn="l" defTabSz="914400" rtl="0" eaLnBrk="1" latinLnBrk="0" hangingPunct="1">
+      <a:defRPr sz="1200" kern="1200">
+        <a:solidFill>
+          <a:schemeClr val="tx1"/>
+        </a:solidFill>
+        <a:latin typeface="+mn-lt"/>
+        <a:ea typeface="+mn-ea"/>
+        <a:cs typeface="+mn-cs"/>
+      </a:defRPr>
+    </a:lvl1pPr>
+    <a:lvl2pPr marL="457200" algn="l" defTabSz="914400" rtl="0" eaLnBrk="1" latinLnBrk="0" hangingPunct="1">
+      <a:defRPr sz="1200" kern="1200">
+        <a:solidFill>
+          <a:schemeClr val="tx1"/>
+        </a:solidFill>
+        <a:latin typeface="+mn-lt"/>
+        <a:ea typeface="+mn-ea"/>
+        <a:cs typeface="+mn-cs"/>
+      </a:defRPr>
+    </a:lvl2pPr>
+    <a:lvl3pPr marL="914400" algn="l" defTabSz="914400" rtl="0" eaLnBrk="1" latinLnBrk="0" hangingPunct="1">
+      <a:defRPr sz="1200" kern="1200">
+        <a:solidFill>
+          <a:schemeClr val="tx1"/>
+        </a:solidFill>
+        <a:latin typeface="+mn-lt"/>
+        <a:ea typeface="+mn-ea"/>
+        <a:cs typeface="+mn-cs"/>
+      </a:defRPr>
+    </a:lvl3pPr>
+    <a:lvl4pPr marL="1371600" algn="l" defTabSz="914400" rtl="0" eaLnBrk="1" latinLnBrk="0" hangingPunct="1">
+      <a:defRPr sz="1200" kern="1200">
+        <a:solidFill>
+          <a:schemeClr val="tx1"/>
+        </a:solidFill>
+        <a:latin typeface="+mn-lt"/>
+        <a:ea typeface="+mn-ea"/>
+        <a:cs typeface="+mn-cs"/>
+      </a:defRPr>
+    </a:lvl4pPr>
+    <a:lvl5pPr marL="1828800" algn="l" defTabSz="914400" rtl="0" eaLnBrk="1" latinLnBrk="0" hangingPunct="1">
+      <a:defRPr sz="1200" kern="1200">
+        <a:solidFill>
+          <a:schemeClr val="tx1"/>
+        </a:solidFill>
+        <a:latin typeface="+mn-lt"/>
+        <a:ea typeface="+mn-ea"/>
+        <a:cs typeface="+mn-cs"/>
+      </a:defRPr>
+    </a:lvl5pPr>
+    <a:lvl6pPr marL="2286000" algn="l" defTabSz="914400" rtl="0" eaLnBrk="1" latinLnBrk="0" hangingPunct="1">
+      <a:defRPr sz="1200" kern="1200">
+        <a:solidFill>
+          <a:schemeClr val="tx1"/>
+        </a:solidFill>
+        <a:latin typeface="+mn-lt"/>
+        <a:ea typeface="+mn-ea"/>
+        <a:cs typeface="+mn-cs"/>
+      </a:defRPr>
+    </a:lvl6pPr>
+    <a:lvl7pPr marL="2743200" algn="l" defTabSz="914400" rtl="0" eaLnBrk="1" latinLnBrk="0" hangingPunct="1">
+      <a:defRPr sz="1200" kern="1200">
+        <a:solidFill>
+          <a:schemeClr val="tx1"/>
+        </a:solidFill>
+        <a:latin typeface="+mn-lt"/>
+        <a:ea typeface="+mn-ea"/>
+        <a:cs typeface="+mn-cs"/>
+      </a:defRPr>
+    </a:lvl7pPr>
+    <a:lvl8pPr marL="3200400" algn="l" defTabSz="914400" rtl="0" eaLnBrk="1" latinLnBrk="0" hangingPunct="1">
+      <a:defRPr sz="1200" kern="1200">
+        <a:solidFill>
+          <a:schemeClr val="tx1"/>
+        </a:solidFill>
+        <a:latin typeface="+mn-lt"/>
+        <a:ea typeface="+mn-ea"/>
+        <a:cs typeface="+mn-cs"/>
+      </a:defRPr>
+    </a:lvl8pPr>
+    <a:lvl9pPr marL="3657600" algn="l" defTabSz="914400" rtl="0" eaLnBrk="1" latinLnBrk="0" hangingPunct="1">
+      <a:defRPr sz="1200" kern="1200">
+        <a:solidFill>
+          <a:schemeClr val="tx1"/>
+        </a:solidFill>
+        <a:latin typeface="+mn-lt"/>
+        <a:ea typeface="+mn-ea"/>
+        <a:cs typeface="+mn-cs"/>
+      </a:defRPr>
+    </a:lvl9pPr>
+  </p:notesStyle>
+</p:notesMaster>
+</file>
+
+<file path=ppt/notesSlides/notesSlide1.xml><?xml version="1.0" encoding="utf-8"?>
+<p:notes xmlns:a="http://schemas.openxmlformats.org/drawingml/2006/main" xmlns:r="http://schemas.openxmlformats.org/officeDocument/2006/relationships" xmlns:p="http://schemas.openxmlformats.org/presentationml/2006/main">
+  <p:cSld>
+    <p:spTree>
+      <p:nvGrpSpPr>
+        <p:cNvPr id="1" name=""/>
+        <p:cNvGrpSpPr/>
+        <p:nvPr/>
+      </p:nvGrpSpPr>
+      <p:grpSpPr>
+        <a:xfrm>
+          <a:off x="0" y="0"/>
+          <a:ext cx="0" cy="0"/>
+          <a:chOff x="0" y="0"/>
+          <a:chExt cx="0" cy="0"/>
+        </a:xfrm>
+      </p:grpSpPr>
+      <p:sp>
+        <p:nvSpPr>
+          <p:cNvPr id="2" name="Slide Image Placeholder 1"/>
+          <p:cNvSpPr>
+            <a:spLocks noGrp="1" noRot="1" noChangeAspect="1"/>
+          </p:cNvSpPr>
+          <p:nvPr>
+            <p:ph type="sldImg"/>
+          </p:nvPr>
+        </p:nvSpPr>
+        <p:spPr/>
+      </p:sp>
+      <p:sp>
+        <p:nvSpPr>
+          <p:cNvPr id="3" name="Notes Placeholder 2"/>
+          <p:cNvSpPr>
+            <a:spLocks noGrp="1"/>
+          </p:cNvSpPr>
+          <p:nvPr>
+            <p:ph type="body" idx="1"/>
+          </p:nvPr>
+        </p:nvSpPr>
+        <p:spPr/>
+        <p:txBody>
+          <a:bodyPr/>
+          <a:lstStyle/>
+          <a:p>
+            <a:r>
+              <a:rPr lang="en-GB" dirty="0"/>
+              <a:t>The main points I was trying to get across here is that at the resonant frequencies the energy grows linearly with time.</a:t>
+            </a:r>
+          </a:p>
+          <a:p>
+            <a:r>
+              <a:rPr lang="en-GB" dirty="0"/>
+              <a:t>I also showed these graphs because I think they clearly illustrate the difference between a slow driver where the driving frequency is lower than </a:t>
+            </a:r>
+            <a:r>
+              <a:rPr lang="en-GB" dirty="0" err="1"/>
+              <a:t>than</a:t>
+            </a:r>
+            <a:r>
+              <a:rPr lang="en-GB" dirty="0"/>
+              <a:t> the fundamental frequency of the field line and there the driver </a:t>
+            </a:r>
+            <a:r>
+              <a:rPr lang="en-GB" dirty="0" err="1"/>
+              <a:t>freuqncy</a:t>
+            </a:r>
+            <a:r>
+              <a:rPr lang="en-GB" dirty="0"/>
+              <a:t> is greater than or equal to the </a:t>
+            </a:r>
+          </a:p>
+        </p:txBody>
+      </p:sp>
+      <p:sp>
+        <p:nvSpPr>
+          <p:cNvPr id="4" name="Slide Number Placeholder 3"/>
+          <p:cNvSpPr>
+            <a:spLocks noGrp="1"/>
+          </p:cNvSpPr>
+          <p:nvPr>
+            <p:ph type="sldNum" sz="quarter" idx="5"/>
+          </p:nvPr>
+        </p:nvSpPr>
+        <p:spPr/>
+        <p:txBody>
+          <a:bodyPr/>
+          <a:lstStyle/>
+          <a:p>
+            <a:fld id="{FF8E2075-CA56-421E-B5CA-3A21695CDA2C}" type="slidenum">
+              <a:rPr lang="en-GB" smtClean="0"/>
+              <a:t>5</a:t>
+            </a:fld>
+            <a:endParaRPr lang="en-GB"/>
+          </a:p>
+        </p:txBody>
+      </p:sp>
+    </p:spTree>
+    <p:extLst>
+      <p:ext uri="{BB962C8B-B14F-4D97-AF65-F5344CB8AC3E}">
+        <p14:creationId xmlns:p14="http://schemas.microsoft.com/office/powerpoint/2010/main" val="882671541"/>
+      </p:ext>
+    </p:extLst>
+  </p:cSld>
+  <p:clrMapOvr>
+    <a:masterClrMapping/>
+  </p:clrMapOvr>
+</p:notes>
+</file>
+
+<file path=ppt/notesSlides/notesSlide2.xml><?xml version="1.0" encoding="utf-8"?>
+<p:notes xmlns:a="http://schemas.openxmlformats.org/drawingml/2006/main" xmlns:r="http://schemas.openxmlformats.org/officeDocument/2006/relationships" xmlns:p="http://schemas.openxmlformats.org/presentationml/2006/main">
+  <p:cSld>
+    <p:spTree>
+      <p:nvGrpSpPr>
+        <p:cNvPr id="1" name=""/>
+        <p:cNvGrpSpPr/>
+        <p:nvPr/>
+      </p:nvGrpSpPr>
+      <p:grpSpPr>
+        <a:xfrm>
+          <a:off x="0" y="0"/>
+          <a:ext cx="0" cy="0"/>
+          <a:chOff x="0" y="0"/>
+          <a:chExt cx="0" cy="0"/>
+        </a:xfrm>
+      </p:grpSpPr>
+      <p:sp>
+        <p:nvSpPr>
+          <p:cNvPr id="2" name="Slide Image Placeholder 1"/>
+          <p:cNvSpPr>
+            <a:spLocks noGrp="1" noRot="1" noChangeAspect="1"/>
+          </p:cNvSpPr>
+          <p:nvPr>
+            <p:ph type="sldImg"/>
+          </p:nvPr>
+        </p:nvSpPr>
+        <p:spPr/>
+      </p:sp>
+      <p:sp>
+        <p:nvSpPr>
+          <p:cNvPr id="3" name="Notes Placeholder 2"/>
+          <p:cNvSpPr>
+            <a:spLocks noGrp="1"/>
+          </p:cNvSpPr>
+          <p:nvPr>
+            <p:ph type="body" idx="1"/>
+          </p:nvPr>
+        </p:nvSpPr>
+        <p:spPr/>
+        <p:txBody>
+          <a:bodyPr/>
+          <a:lstStyle/>
+          <a:p>
+            <a:endParaRPr lang="en-GB" dirty="0"/>
+          </a:p>
+        </p:txBody>
+      </p:sp>
+      <p:sp>
+        <p:nvSpPr>
+          <p:cNvPr id="4" name="Slide Number Placeholder 3"/>
+          <p:cNvSpPr>
+            <a:spLocks noGrp="1"/>
+          </p:cNvSpPr>
+          <p:nvPr>
+            <p:ph type="sldNum" sz="quarter" idx="5"/>
+          </p:nvPr>
+        </p:nvSpPr>
+        <p:spPr/>
+        <p:txBody>
+          <a:bodyPr/>
+          <a:lstStyle/>
+          <a:p>
+            <a:fld id="{FF8E2075-CA56-421E-B5CA-3A21695CDA2C}" type="slidenum">
+              <a:rPr lang="en-GB" smtClean="0"/>
+              <a:t>7</a:t>
+            </a:fld>
+            <a:endParaRPr lang="en-GB"/>
+          </a:p>
+        </p:txBody>
+      </p:sp>
+    </p:spTree>
+    <p:extLst>
+      <p:ext uri="{BB962C8B-B14F-4D97-AF65-F5344CB8AC3E}">
+        <p14:creationId xmlns:p14="http://schemas.microsoft.com/office/powerpoint/2010/main" val="4281811950"/>
+      </p:ext>
+    </p:extLst>
+  </p:cSld>
+  <p:clrMapOvr>
+    <a:masterClrMapping/>
+  </p:clrMapOvr>
+</p:notes>
+</file>
+
+<file path=ppt/notesSlides/notesSlide3.xml><?xml version="1.0" encoding="utf-8"?>
+<p:notes xmlns:a="http://schemas.openxmlformats.org/drawingml/2006/main" xmlns:r="http://schemas.openxmlformats.org/officeDocument/2006/relationships" xmlns:p="http://schemas.openxmlformats.org/presentationml/2006/main">
+  <p:cSld>
+    <p:spTree>
+      <p:nvGrpSpPr>
+        <p:cNvPr id="1" name=""/>
+        <p:cNvGrpSpPr/>
+        <p:nvPr/>
+      </p:nvGrpSpPr>
+      <p:grpSpPr>
+        <a:xfrm>
+          <a:off x="0" y="0"/>
+          <a:ext cx="0" cy="0"/>
+          <a:chOff x="0" y="0"/>
+          <a:chExt cx="0" cy="0"/>
+        </a:xfrm>
+      </p:grpSpPr>
+      <p:sp>
+        <p:nvSpPr>
+          <p:cNvPr id="2" name="Slide Image Placeholder 1"/>
+          <p:cNvSpPr>
+            <a:spLocks noGrp="1" noRot="1" noChangeAspect="1"/>
+          </p:cNvSpPr>
+          <p:nvPr>
+            <p:ph type="sldImg"/>
+          </p:nvPr>
+        </p:nvSpPr>
+        <p:spPr/>
+      </p:sp>
+      <p:sp>
+        <p:nvSpPr>
+          <p:cNvPr id="3" name="Notes Placeholder 2"/>
+          <p:cNvSpPr>
+            <a:spLocks noGrp="1"/>
+          </p:cNvSpPr>
+          <p:nvPr>
+            <p:ph type="body" idx="1"/>
+          </p:nvPr>
+        </p:nvSpPr>
+        <p:spPr/>
+        <p:txBody>
+          <a:bodyPr/>
+          <a:lstStyle/>
+          <a:p>
+            <a:endParaRPr lang="en-GB"/>
+          </a:p>
+        </p:txBody>
+      </p:sp>
+      <p:sp>
+        <p:nvSpPr>
+          <p:cNvPr id="4" name="Slide Number Placeholder 3"/>
+          <p:cNvSpPr>
+            <a:spLocks noGrp="1"/>
+          </p:cNvSpPr>
+          <p:nvPr>
+            <p:ph type="sldNum" sz="quarter" idx="5"/>
+          </p:nvPr>
+        </p:nvSpPr>
+        <p:spPr/>
+        <p:txBody>
+          <a:bodyPr/>
+          <a:lstStyle/>
+          <a:p>
+            <a:fld id="{FF8E2075-CA56-421E-B5CA-3A21695CDA2C}" type="slidenum">
+              <a:rPr lang="en-GB" smtClean="0"/>
+              <a:t>8</a:t>
+            </a:fld>
+            <a:endParaRPr lang="en-GB"/>
+          </a:p>
+        </p:txBody>
+      </p:sp>
+    </p:spTree>
+    <p:extLst>
+      <p:ext uri="{BB962C8B-B14F-4D97-AF65-F5344CB8AC3E}">
+        <p14:creationId xmlns:p14="http://schemas.microsoft.com/office/powerpoint/2010/main" val="3988528424"/>
+      </p:ext>
+    </p:extLst>
+  </p:cSld>
+  <p:clrMapOvr>
+    <a:masterClrMapping/>
+  </p:clrMapOvr>
+</p:notes>
 </file>
 
 <file path=ppt/slideLayouts/slideLayout1.xml><?xml version="1.0" encoding="utf-8"?>
@@ -3602,7 +4237,41 @@
           <a:bodyPr/>
           <a:lstStyle/>
           <a:p>
-            <a:endParaRPr lang="en-GB"/>
+            <a:r>
+              <a:rPr lang="en-GB" dirty="0"/>
+              <a:t>The main goal here is to introduce concepts relevant for the rest of the thesis.</a:t>
+            </a:r>
+          </a:p>
+          <a:p>
+            <a:r>
+              <a:rPr lang="en-GB" dirty="0"/>
+              <a:t>Still has elements of original research. For example I am not aware of anyone using the </a:t>
+            </a:r>
+            <a:r>
+              <a:rPr lang="en-GB" dirty="0" err="1"/>
+              <a:t>D’Alambert’s</a:t>
+            </a:r>
+            <a:r>
+              <a:rPr lang="en-GB" dirty="0"/>
+              <a:t> formula.</a:t>
+            </a:r>
+          </a:p>
+          <a:p>
+            <a:r>
+              <a:rPr lang="en-GB" dirty="0"/>
+              <a:t>Useful for numerical as people often drive with a sinusoidal </a:t>
+            </a:r>
+            <a:r>
+              <a:rPr lang="en-GB" dirty="0" err="1"/>
+              <a:t>footpoint</a:t>
+            </a:r>
+            <a:r>
+              <a:rPr lang="en-GB" dirty="0"/>
+              <a:t> driver.</a:t>
+            </a:r>
+          </a:p>
+          <a:p>
+            <a:endParaRPr lang="en-GB" dirty="0"/>
           </a:p>
         </p:txBody>
       </p:sp>
@@ -3610,6 +4279,564 @@
     <p:extLst>
       <p:ext uri="{BB962C8B-B14F-4D97-AF65-F5344CB8AC3E}">
         <p14:creationId xmlns:p14="http://schemas.microsoft.com/office/powerpoint/2010/main" val="4020169254"/>
+      </p:ext>
+    </p:extLst>
+  </p:cSld>
+  <p:clrMapOvr>
+    <a:masterClrMapping/>
+  </p:clrMapOvr>
+</p:sld>
+</file>
+
+<file path=ppt/slides/slide4.xml><?xml version="1.0" encoding="utf-8"?>
+<p:sld xmlns:a="http://schemas.openxmlformats.org/drawingml/2006/main" xmlns:r="http://schemas.openxmlformats.org/officeDocument/2006/relationships" xmlns:p="http://schemas.openxmlformats.org/presentationml/2006/main">
+  <p:cSld>
+    <p:spTree>
+      <p:nvGrpSpPr>
+        <p:cNvPr id="1" name=""/>
+        <p:cNvGrpSpPr/>
+        <p:nvPr/>
+      </p:nvGrpSpPr>
+      <p:grpSpPr>
+        <a:xfrm>
+          <a:off x="0" y="0"/>
+          <a:ext cx="0" cy="0"/>
+          <a:chOff x="0" y="0"/>
+          <a:chExt cx="0" cy="0"/>
+        </a:xfrm>
+      </p:grpSpPr>
+      <p:sp>
+        <p:nvSpPr>
+          <p:cNvPr id="2" name="Title 1">
+            <a:extLst>
+              <a:ext uri="{FF2B5EF4-FFF2-40B4-BE49-F238E27FC236}">
+                <a16:creationId xmlns:a16="http://schemas.microsoft.com/office/drawing/2014/main" id="{D7573C90-E8AC-4F70-B63C-E9D1E07713BF}"/>
+              </a:ext>
+            </a:extLst>
+          </p:cNvPr>
+          <p:cNvSpPr>
+            <a:spLocks noGrp="1"/>
+          </p:cNvSpPr>
+          <p:nvPr>
+            <p:ph type="title"/>
+          </p:nvPr>
+        </p:nvSpPr>
+        <p:spPr/>
+        <p:txBody>
+          <a:bodyPr/>
+          <a:lstStyle/>
+          <a:p>
+            <a:r>
+              <a:rPr lang="en-GB" dirty="0"/>
+              <a:t>Closed loop: General solution</a:t>
+            </a:r>
+          </a:p>
+        </p:txBody>
+      </p:sp>
+      <p:sp>
+        <p:nvSpPr>
+          <p:cNvPr id="3" name="Content Placeholder 2">
+            <a:extLst>
+              <a:ext uri="{FF2B5EF4-FFF2-40B4-BE49-F238E27FC236}">
+                <a16:creationId xmlns:a16="http://schemas.microsoft.com/office/drawing/2014/main" id="{4AD0A662-7E10-4225-8261-BB4D6E7D27DD}"/>
+              </a:ext>
+            </a:extLst>
+          </p:cNvPr>
+          <p:cNvSpPr>
+            <a:spLocks noGrp="1"/>
+          </p:cNvSpPr>
+          <p:nvPr>
+            <p:ph idx="1"/>
+          </p:nvPr>
+        </p:nvSpPr>
+        <p:spPr/>
+        <p:txBody>
+          <a:bodyPr/>
+          <a:lstStyle/>
+          <a:p>
+            <a:r>
+              <a:rPr lang="en-GB" dirty="0"/>
+              <a:t>Uses </a:t>
+            </a:r>
+            <a:r>
+              <a:rPr lang="en-GB" dirty="0" err="1"/>
+              <a:t>d’Alambert’s</a:t>
+            </a:r>
+            <a:r>
+              <a:rPr lang="en-GB" dirty="0"/>
+              <a:t> formula instead of Fourier analysis.</a:t>
+            </a:r>
+          </a:p>
+          <a:p>
+            <a:endParaRPr lang="en-GB" dirty="0"/>
+          </a:p>
+        </p:txBody>
+      </p:sp>
+    </p:spTree>
+    <p:extLst>
+      <p:ext uri="{BB962C8B-B14F-4D97-AF65-F5344CB8AC3E}">
+        <p14:creationId xmlns:p14="http://schemas.microsoft.com/office/powerpoint/2010/main" val="1597952332"/>
+      </p:ext>
+    </p:extLst>
+  </p:cSld>
+  <p:clrMapOvr>
+    <a:masterClrMapping/>
+  </p:clrMapOvr>
+</p:sld>
+</file>
+
+<file path=ppt/slides/slide5.xml><?xml version="1.0" encoding="utf-8"?>
+<p:sld xmlns:a="http://schemas.openxmlformats.org/drawingml/2006/main" xmlns:r="http://schemas.openxmlformats.org/officeDocument/2006/relationships" xmlns:p="http://schemas.openxmlformats.org/presentationml/2006/main">
+  <p:cSld>
+    <p:spTree>
+      <p:nvGrpSpPr>
+        <p:cNvPr id="1" name=""/>
+        <p:cNvGrpSpPr/>
+        <p:nvPr/>
+      </p:nvGrpSpPr>
+      <p:grpSpPr>
+        <a:xfrm>
+          <a:off x="0" y="0"/>
+          <a:ext cx="0" cy="0"/>
+          <a:chOff x="0" y="0"/>
+          <a:chExt cx="0" cy="0"/>
+        </a:xfrm>
+      </p:grpSpPr>
+      <p:sp>
+        <p:nvSpPr>
+          <p:cNvPr id="2" name="Title 1">
+            <a:extLst>
+              <a:ext uri="{FF2B5EF4-FFF2-40B4-BE49-F238E27FC236}">
+                <a16:creationId xmlns:a16="http://schemas.microsoft.com/office/drawing/2014/main" id="{A33E24DA-CC68-4ADA-80A3-1B28B761BF1C}"/>
+              </a:ext>
+            </a:extLst>
+          </p:cNvPr>
+          <p:cNvSpPr>
+            <a:spLocks noGrp="1"/>
+          </p:cNvSpPr>
+          <p:nvPr>
+            <p:ph type="title"/>
+          </p:nvPr>
+        </p:nvSpPr>
+        <p:spPr/>
+        <p:txBody>
+          <a:bodyPr/>
+          <a:lstStyle/>
+          <a:p>
+            <a:r>
+              <a:rPr lang="en-GB" dirty="0"/>
+              <a:t>Closed loop: resonant</a:t>
+            </a:r>
+          </a:p>
+        </p:txBody>
+      </p:sp>
+      <p:sp>
+        <p:nvSpPr>
+          <p:cNvPr id="3" name="Content Placeholder 2">
+            <a:extLst>
+              <a:ext uri="{FF2B5EF4-FFF2-40B4-BE49-F238E27FC236}">
+                <a16:creationId xmlns:a16="http://schemas.microsoft.com/office/drawing/2014/main" id="{35E7944A-B211-404D-9FB8-EF92B7B47A60}"/>
+              </a:ext>
+            </a:extLst>
+          </p:cNvPr>
+          <p:cNvSpPr>
+            <a:spLocks noGrp="1"/>
+          </p:cNvSpPr>
+          <p:nvPr>
+            <p:ph idx="1"/>
+          </p:nvPr>
+        </p:nvSpPr>
+        <p:spPr/>
+        <p:txBody>
+          <a:bodyPr/>
+          <a:lstStyle/>
+          <a:p>
+            <a:r>
+              <a:rPr lang="en-GB" dirty="0"/>
+              <a:t>Figures 2.1 and 2.2 show clearly that slow motions can build-up the magnetic field for a small kinetic energy.</a:t>
+            </a:r>
+          </a:p>
+        </p:txBody>
+      </p:sp>
+      <p:pic>
+        <p:nvPicPr>
+          <p:cNvPr id="5" name="Picture 4" descr="Graphical user interface, chart, diagram, histogram&#10;&#10;Description automatically generated">
+            <a:extLst>
+              <a:ext uri="{FF2B5EF4-FFF2-40B4-BE49-F238E27FC236}">
+                <a16:creationId xmlns:a16="http://schemas.microsoft.com/office/drawing/2014/main" id="{B53F1851-6A82-4DE0-9675-C38807CBF09D}"/>
+              </a:ext>
+            </a:extLst>
+          </p:cNvPr>
+          <p:cNvPicPr>
+            <a:picLocks noChangeAspect="1"/>
+          </p:cNvPicPr>
+          <p:nvPr/>
+        </p:nvPicPr>
+        <p:blipFill>
+          <a:blip r:embed="rId3">
+            <a:extLst>
+              <a:ext uri="{28A0092B-C50C-407E-A947-70E740481C1C}">
+                <a14:useLocalDpi xmlns:a14="http://schemas.microsoft.com/office/drawing/2010/main" val="0"/>
+              </a:ext>
+            </a:extLst>
+          </a:blip>
+          <a:stretch>
+            <a:fillRect/>
+          </a:stretch>
+        </p:blipFill>
+        <p:spPr>
+          <a:xfrm>
+            <a:off x="1369812" y="0"/>
+            <a:ext cx="4726188" cy="6858000"/>
+          </a:xfrm>
+          <a:prstGeom prst="rect">
+            <a:avLst/>
+          </a:prstGeom>
+        </p:spPr>
+      </p:pic>
+      <p:pic>
+        <p:nvPicPr>
+          <p:cNvPr id="7" name="Picture 6" descr="Chart, histogram&#10;&#10;Description automatically generated">
+            <a:extLst>
+              <a:ext uri="{FF2B5EF4-FFF2-40B4-BE49-F238E27FC236}">
+                <a16:creationId xmlns:a16="http://schemas.microsoft.com/office/drawing/2014/main" id="{9EC9436A-BF9D-46F7-8DFB-6AC6E4087590}"/>
+              </a:ext>
+            </a:extLst>
+          </p:cNvPr>
+          <p:cNvPicPr>
+            <a:picLocks noChangeAspect="1"/>
+          </p:cNvPicPr>
+          <p:nvPr/>
+        </p:nvPicPr>
+        <p:blipFill>
+          <a:blip r:embed="rId4">
+            <a:extLst>
+              <a:ext uri="{28A0092B-C50C-407E-A947-70E740481C1C}">
+                <a14:useLocalDpi xmlns:a14="http://schemas.microsoft.com/office/drawing/2010/main" val="0"/>
+              </a:ext>
+            </a:extLst>
+          </a:blip>
+          <a:stretch>
+            <a:fillRect/>
+          </a:stretch>
+        </p:blipFill>
+        <p:spPr>
+          <a:xfrm>
+            <a:off x="6496864" y="0"/>
+            <a:ext cx="4791550" cy="6858000"/>
+          </a:xfrm>
+          <a:prstGeom prst="rect">
+            <a:avLst/>
+          </a:prstGeom>
+        </p:spPr>
+      </p:pic>
+    </p:spTree>
+    <p:extLst>
+      <p:ext uri="{BB962C8B-B14F-4D97-AF65-F5344CB8AC3E}">
+        <p14:creationId xmlns:p14="http://schemas.microsoft.com/office/powerpoint/2010/main" val="649842584"/>
+      </p:ext>
+    </p:extLst>
+  </p:cSld>
+  <p:clrMapOvr>
+    <a:masterClrMapping/>
+  </p:clrMapOvr>
+</p:sld>
+</file>
+
+<file path=ppt/slides/slide6.xml><?xml version="1.0" encoding="utf-8"?>
+<p:sld xmlns:a="http://schemas.openxmlformats.org/drawingml/2006/main" xmlns:r="http://schemas.openxmlformats.org/officeDocument/2006/relationships" xmlns:p="http://schemas.openxmlformats.org/presentationml/2006/main">
+  <p:cSld>
+    <p:spTree>
+      <p:nvGrpSpPr>
+        <p:cNvPr id="1" name=""/>
+        <p:cNvGrpSpPr/>
+        <p:nvPr/>
+      </p:nvGrpSpPr>
+      <p:grpSpPr>
+        <a:xfrm>
+          <a:off x="0" y="0"/>
+          <a:ext cx="0" cy="0"/>
+          <a:chOff x="0" y="0"/>
+          <a:chExt cx="0" cy="0"/>
+        </a:xfrm>
+      </p:grpSpPr>
+      <p:sp>
+        <p:nvSpPr>
+          <p:cNvPr id="2" name="Title 1">
+            <a:extLst>
+              <a:ext uri="{FF2B5EF4-FFF2-40B4-BE49-F238E27FC236}">
+                <a16:creationId xmlns:a16="http://schemas.microsoft.com/office/drawing/2014/main" id="{9C34C1C7-68DD-4F1F-93EC-AB417A0E76D9}"/>
+              </a:ext>
+            </a:extLst>
+          </p:cNvPr>
+          <p:cNvSpPr>
+            <a:spLocks noGrp="1"/>
+          </p:cNvSpPr>
+          <p:nvPr>
+            <p:ph type="title"/>
+          </p:nvPr>
+        </p:nvSpPr>
+        <p:spPr/>
+        <p:txBody>
+          <a:bodyPr/>
+          <a:lstStyle/>
+          <a:p>
+            <a:r>
+              <a:rPr lang="en-GB" dirty="0"/>
+              <a:t>Closed loop: Nearly resonant</a:t>
+            </a:r>
+          </a:p>
+        </p:txBody>
+      </p:sp>
+      <p:sp>
+        <p:nvSpPr>
+          <p:cNvPr id="3" name="Content Placeholder 2">
+            <a:extLst>
+              <a:ext uri="{FF2B5EF4-FFF2-40B4-BE49-F238E27FC236}">
+                <a16:creationId xmlns:a16="http://schemas.microsoft.com/office/drawing/2014/main" id="{DCF70D87-EFF9-4924-8CD8-5078F057A1D8}"/>
+              </a:ext>
+            </a:extLst>
+          </p:cNvPr>
+          <p:cNvSpPr>
+            <a:spLocks noGrp="1"/>
+          </p:cNvSpPr>
+          <p:nvPr>
+            <p:ph idx="1"/>
+          </p:nvPr>
+        </p:nvSpPr>
+        <p:spPr/>
+        <p:txBody>
+          <a:bodyPr/>
+          <a:lstStyle/>
+          <a:p>
+            <a:r>
+              <a:rPr lang="en-GB" dirty="0"/>
+              <a:t>Amplitude given by sec(omega </a:t>
+            </a:r>
+            <a:r>
+              <a:rPr lang="en-GB" dirty="0" err="1"/>
+              <a:t>lz</a:t>
+            </a:r>
+            <a:r>
+              <a:rPr lang="en-GB" dirty="0"/>
+              <a:t> / va0)</a:t>
+            </a:r>
+          </a:p>
+          <a:p>
+            <a:r>
+              <a:rPr lang="en-GB" dirty="0"/>
+              <a:t>Beating frequency given by (omega – </a:t>
+            </a:r>
+            <a:r>
+              <a:rPr lang="en-GB" dirty="0" err="1"/>
+              <a:t>omega_n</a:t>
+            </a:r>
+            <a:r>
+              <a:rPr lang="en-GB" dirty="0"/>
+              <a:t>) / 2</a:t>
+            </a:r>
+          </a:p>
+          <a:p>
+            <a:endParaRPr lang="en-GB" dirty="0"/>
+          </a:p>
+        </p:txBody>
+      </p:sp>
+    </p:spTree>
+    <p:extLst>
+      <p:ext uri="{BB962C8B-B14F-4D97-AF65-F5344CB8AC3E}">
+        <p14:creationId xmlns:p14="http://schemas.microsoft.com/office/powerpoint/2010/main" val="3905683267"/>
+      </p:ext>
+    </p:extLst>
+  </p:cSld>
+  <p:clrMapOvr>
+    <a:masterClrMapping/>
+  </p:clrMapOvr>
+</p:sld>
+</file>
+
+<file path=ppt/slides/slide7.xml><?xml version="1.0" encoding="utf-8"?>
+<p:sld xmlns:a="http://schemas.openxmlformats.org/drawingml/2006/main" xmlns:r="http://schemas.openxmlformats.org/officeDocument/2006/relationships" xmlns:p="http://schemas.openxmlformats.org/presentationml/2006/main">
+  <p:cSld>
+    <p:spTree>
+      <p:nvGrpSpPr>
+        <p:cNvPr id="1" name=""/>
+        <p:cNvGrpSpPr/>
+        <p:nvPr/>
+      </p:nvGrpSpPr>
+      <p:grpSpPr>
+        <a:xfrm>
+          <a:off x="0" y="0"/>
+          <a:ext cx="0" cy="0"/>
+          <a:chOff x="0" y="0"/>
+          <a:chExt cx="0" cy="0"/>
+        </a:xfrm>
+      </p:grpSpPr>
+      <p:sp>
+        <p:nvSpPr>
+          <p:cNvPr id="2" name="Title 1">
+            <a:extLst>
+              <a:ext uri="{FF2B5EF4-FFF2-40B4-BE49-F238E27FC236}">
+                <a16:creationId xmlns:a16="http://schemas.microsoft.com/office/drawing/2014/main" id="{A2C17342-2AEA-459B-807B-C5843AD797C9}"/>
+              </a:ext>
+            </a:extLst>
+          </p:cNvPr>
+          <p:cNvSpPr>
+            <a:spLocks noGrp="1"/>
+          </p:cNvSpPr>
+          <p:nvPr>
+            <p:ph type="title"/>
+          </p:nvPr>
+        </p:nvSpPr>
+        <p:spPr/>
+        <p:txBody>
+          <a:bodyPr/>
+          <a:lstStyle/>
+          <a:p>
+            <a:r>
+              <a:rPr lang="en-GB" dirty="0"/>
+              <a:t>Closed loop: </a:t>
+            </a:r>
+            <a:r>
+              <a:rPr lang="en-GB" dirty="0" err="1"/>
+              <a:t>Antiresonant</a:t>
+            </a:r>
+            <a:r>
+              <a:rPr lang="en-GB" dirty="0"/>
+              <a:t> case</a:t>
+            </a:r>
+          </a:p>
+        </p:txBody>
+      </p:sp>
+      <p:sp>
+        <p:nvSpPr>
+          <p:cNvPr id="3" name="Content Placeholder 2">
+            <a:extLst>
+              <a:ext uri="{FF2B5EF4-FFF2-40B4-BE49-F238E27FC236}">
+                <a16:creationId xmlns:a16="http://schemas.microsoft.com/office/drawing/2014/main" id="{3F75A0ED-38A3-4CB8-85EF-776A76084251}"/>
+              </a:ext>
+            </a:extLst>
+          </p:cNvPr>
+          <p:cNvSpPr>
+            <a:spLocks noGrp="1"/>
+          </p:cNvSpPr>
+          <p:nvPr>
+            <p:ph idx="1"/>
+          </p:nvPr>
+        </p:nvSpPr>
+        <p:spPr/>
+        <p:txBody>
+          <a:bodyPr/>
+          <a:lstStyle/>
+          <a:p>
+            <a:r>
+              <a:rPr lang="en-GB" dirty="0"/>
+              <a:t>Interesting interference pattern</a:t>
+            </a:r>
+          </a:p>
+        </p:txBody>
+      </p:sp>
+    </p:spTree>
+    <p:extLst>
+      <p:ext uri="{BB962C8B-B14F-4D97-AF65-F5344CB8AC3E}">
+        <p14:creationId xmlns:p14="http://schemas.microsoft.com/office/powerpoint/2010/main" val="1518458976"/>
+      </p:ext>
+    </p:extLst>
+  </p:cSld>
+  <p:clrMapOvr>
+    <a:masterClrMapping/>
+  </p:clrMapOvr>
+</p:sld>
+</file>
+
+<file path=ppt/slides/slide8.xml><?xml version="1.0" encoding="utf-8"?>
+<p:sld xmlns:a="http://schemas.openxmlformats.org/drawingml/2006/main" xmlns:r="http://schemas.openxmlformats.org/officeDocument/2006/relationships" xmlns:p="http://schemas.openxmlformats.org/presentationml/2006/main">
+  <p:cSld>
+    <p:spTree>
+      <p:nvGrpSpPr>
+        <p:cNvPr id="1" name=""/>
+        <p:cNvGrpSpPr/>
+        <p:nvPr/>
+      </p:nvGrpSpPr>
+      <p:grpSpPr>
+        <a:xfrm>
+          <a:off x="0" y="0"/>
+          <a:ext cx="0" cy="0"/>
+          <a:chOff x="0" y="0"/>
+          <a:chExt cx="0" cy="0"/>
+        </a:xfrm>
+      </p:grpSpPr>
+      <p:sp>
+        <p:nvSpPr>
+          <p:cNvPr id="2" name="Title 1">
+            <a:extLst>
+              <a:ext uri="{FF2B5EF4-FFF2-40B4-BE49-F238E27FC236}">
+                <a16:creationId xmlns:a16="http://schemas.microsoft.com/office/drawing/2014/main" id="{E93E65B4-66C4-43D7-AA80-4B6D4E8BB94F}"/>
+              </a:ext>
+            </a:extLst>
+          </p:cNvPr>
+          <p:cNvSpPr>
+            <a:spLocks noGrp="1"/>
+          </p:cNvSpPr>
+          <p:nvPr>
+            <p:ph type="title"/>
+          </p:nvPr>
+        </p:nvSpPr>
+        <p:spPr/>
+        <p:txBody>
+          <a:bodyPr/>
+          <a:lstStyle/>
+          <a:p>
+            <a:r>
+              <a:rPr lang="en-GB" dirty="0"/>
+              <a:t>Closed loop: broadband driver</a:t>
+            </a:r>
+          </a:p>
+        </p:txBody>
+      </p:sp>
+      <p:sp>
+        <p:nvSpPr>
+          <p:cNvPr id="3" name="Content Placeholder 2">
+            <a:extLst>
+              <a:ext uri="{FF2B5EF4-FFF2-40B4-BE49-F238E27FC236}">
+                <a16:creationId xmlns:a16="http://schemas.microsoft.com/office/drawing/2014/main" id="{2F49C08A-910F-4C35-A616-6CB0ABD0A996}"/>
+              </a:ext>
+            </a:extLst>
+          </p:cNvPr>
+          <p:cNvSpPr>
+            <a:spLocks noGrp="1"/>
+          </p:cNvSpPr>
+          <p:nvPr>
+            <p:ph idx="1"/>
+          </p:nvPr>
+        </p:nvSpPr>
+        <p:spPr/>
+        <p:txBody>
+          <a:bodyPr/>
+          <a:lstStyle/>
+          <a:p>
+            <a:r>
+              <a:rPr lang="en-GB" dirty="0"/>
+              <a:t>Goal here is to tie the results to observations.</a:t>
+            </a:r>
+          </a:p>
+          <a:p>
+            <a:r>
+              <a:rPr lang="en-GB" dirty="0"/>
+              <a:t>Will the energy of a randomly driven loop grow to infinity or oscillate about a finite value?</a:t>
+            </a:r>
+          </a:p>
+          <a:p>
+            <a:r>
+              <a:rPr lang="en-GB" dirty="0"/>
+              <a:t>Check white noise result agrees with Fourier result.</a:t>
+            </a:r>
+          </a:p>
+        </p:txBody>
+      </p:sp>
+    </p:spTree>
+    <p:extLst>
+      <p:ext uri="{BB962C8B-B14F-4D97-AF65-F5344CB8AC3E}">
+        <p14:creationId xmlns:p14="http://schemas.microsoft.com/office/powerpoint/2010/main" val="1581023814"/>
       </p:ext>
     </p:extLst>
   </p:cSld>
@@ -3912,4 +5139,299 @@
     </a:ext>
   </a:extLst>
 </a:theme>
+</file>
+
+<file path=ppt/theme/theme2.xml><?xml version="1.0" encoding="utf-8"?>
+<a:theme xmlns:a="http://schemas.openxmlformats.org/drawingml/2006/main" name="Office Theme">
+  <a:themeElements>
+    <a:clrScheme name="Office">
+      <a:dk1>
+        <a:sysClr val="windowText" lastClr="000000"/>
+      </a:dk1>
+      <a:lt1>
+        <a:sysClr val="window" lastClr="FFFFFF"/>
+      </a:lt1>
+      <a:dk2>
+        <a:srgbClr val="44546A"/>
+      </a:dk2>
+      <a:lt2>
+        <a:srgbClr val="E7E6E6"/>
+      </a:lt2>
+      <a:accent1>
+        <a:srgbClr val="4472C4"/>
+      </a:accent1>
+      <a:accent2>
+        <a:srgbClr val="ED7D31"/>
+      </a:accent2>
+      <a:accent3>
+        <a:srgbClr val="A5A5A5"/>
+      </a:accent3>
+      <a:accent4>
+        <a:srgbClr val="FFC000"/>
+      </a:accent4>
+      <a:accent5>
+        <a:srgbClr val="5B9BD5"/>
+      </a:accent5>
+      <a:accent6>
+        <a:srgbClr val="70AD47"/>
+      </a:accent6>
+      <a:hlink>
+        <a:srgbClr val="0563C1"/>
+      </a:hlink>
+      <a:folHlink>
+        <a:srgbClr val="954F72"/>
+      </a:folHlink>
+    </a:clrScheme>
+    <a:fontScheme name="Office">
+      <a:majorFont>
+        <a:latin typeface="Calibri Light" panose="020F0302020204030204"/>
+        <a:ea typeface=""/>
+        <a:cs typeface=""/>
+        <a:font script="Jpan" typeface="游ゴシック Light"/>
+        <a:font script="Hang" typeface="맑은 고딕"/>
+        <a:font script="Hans" typeface="等线 Light"/>
+        <a:font script="Hant" typeface="新細明體"/>
+        <a:font script="Arab" typeface="Times New Roman"/>
+        <a:font script="Hebr" typeface="Times New Roman"/>
+        <a:font script="Thai" typeface="Angsana New"/>
+        <a:font script="Ethi" typeface="Nyala"/>
+        <a:font script="Beng" typeface="Vrinda"/>
+        <a:font script="Gujr" typeface="Shruti"/>
+        <a:font script="Khmr" typeface="MoolBoran"/>
+        <a:font script="Knda" typeface="Tunga"/>
+        <a:font script="Guru" typeface="Raavi"/>
+        <a:font script="Cans" typeface="Euphemia"/>
+        <a:font script="Cher" typeface="Plantagenet Cherokee"/>
+        <a:font script="Yiii" typeface="Microsoft Yi Baiti"/>
+        <a:font script="Tibt" typeface="Microsoft Himalaya"/>
+        <a:font script="Thaa" typeface="MV Boli"/>
+        <a:font script="Deva" typeface="Mangal"/>
+        <a:font script="Telu" typeface="Gautami"/>
+        <a:font script="Taml" typeface="Latha"/>
+        <a:font script="Syrc" typeface="Estrangelo Edessa"/>
+        <a:font script="Orya" typeface="Kalinga"/>
+        <a:font script="Mlym" typeface="Kartika"/>
+        <a:font script="Laoo" typeface="DokChampa"/>
+        <a:font script="Sinh" typeface="Iskoola Pota"/>
+        <a:font script="Mong" typeface="Mongolian Baiti"/>
+        <a:font script="Viet" typeface="Times New Roman"/>
+        <a:font script="Uigh" typeface="Microsoft Uighur"/>
+        <a:font script="Geor" typeface="Sylfaen"/>
+        <a:font script="Armn" typeface="Arial"/>
+        <a:font script="Bugi" typeface="Leelawadee UI"/>
+        <a:font script="Bopo" typeface="Microsoft JhengHei"/>
+        <a:font script="Java" typeface="Javanese Text"/>
+        <a:font script="Lisu" typeface="Segoe UI"/>
+        <a:font script="Mymr" typeface="Myanmar Text"/>
+        <a:font script="Nkoo" typeface="Ebrima"/>
+        <a:font script="Olck" typeface="Nirmala UI"/>
+        <a:font script="Osma" typeface="Ebrima"/>
+        <a:font script="Phag" typeface="Phagspa"/>
+        <a:font script="Syrn" typeface="Estrangelo Edessa"/>
+        <a:font script="Syrj" typeface="Estrangelo Edessa"/>
+        <a:font script="Syre" typeface="Estrangelo Edessa"/>
+        <a:font script="Sora" typeface="Nirmala UI"/>
+        <a:font script="Tale" typeface="Microsoft Tai Le"/>
+        <a:font script="Talu" typeface="Microsoft New Tai Lue"/>
+        <a:font script="Tfng" typeface="Ebrima"/>
+      </a:majorFont>
+      <a:minorFont>
+        <a:latin typeface="Calibri" panose="020F0502020204030204"/>
+        <a:ea typeface=""/>
+        <a:cs typeface=""/>
+        <a:font script="Jpan" typeface="游ゴシック"/>
+        <a:font script="Hang" typeface="맑은 고딕"/>
+        <a:font script="Hans" typeface="等线"/>
+        <a:font script="Hant" typeface="新細明體"/>
+        <a:font script="Arab" typeface="Arial"/>
+        <a:font script="Hebr" typeface="Arial"/>
+        <a:font script="Thai" typeface="Cordia New"/>
+        <a:font script="Ethi" typeface="Nyala"/>
+        <a:font script="Beng" typeface="Vrinda"/>
+        <a:font script="Gujr" typeface="Shruti"/>
+        <a:font script="Khmr" typeface="DaunPenh"/>
+        <a:font script="Knda" typeface="Tunga"/>
+        <a:font script="Guru" typeface="Raavi"/>
+        <a:font script="Cans" typeface="Euphemia"/>
+        <a:font script="Cher" typeface="Plantagenet Cherokee"/>
+        <a:font script="Yiii" typeface="Microsoft Yi Baiti"/>
+        <a:font script="Tibt" typeface="Microsoft Himalaya"/>
+        <a:font script="Thaa" typeface="MV Boli"/>
+        <a:font script="Deva" typeface="Mangal"/>
+        <a:font script="Telu" typeface="Gautami"/>
+        <a:font script="Taml" typeface="Latha"/>
+        <a:font script="Syrc" typeface="Estrangelo Edessa"/>
+        <a:font script="Orya" typeface="Kalinga"/>
+        <a:font script="Mlym" typeface="Kartika"/>
+        <a:font script="Laoo" typeface="DokChampa"/>
+        <a:font script="Sinh" typeface="Iskoola Pota"/>
+        <a:font script="Mong" typeface="Mongolian Baiti"/>
+        <a:font script="Viet" typeface="Arial"/>
+        <a:font script="Uigh" typeface="Microsoft Uighur"/>
+        <a:font script="Geor" typeface="Sylfaen"/>
+        <a:font script="Armn" typeface="Arial"/>
+        <a:font script="Bugi" typeface="Leelawadee UI"/>
+        <a:font script="Bopo" typeface="Microsoft JhengHei"/>
+        <a:font script="Java" typeface="Javanese Text"/>
+        <a:font script="Lisu" typeface="Segoe UI"/>
+        <a:font script="Mymr" typeface="Myanmar Text"/>
+        <a:font script="Nkoo" typeface="Ebrima"/>
+        <a:font script="Olck" typeface="Nirmala UI"/>
+        <a:font script="Osma" typeface="Ebrima"/>
+        <a:font script="Phag" typeface="Phagspa"/>
+        <a:font script="Syrn" typeface="Estrangelo Edessa"/>
+        <a:font script="Syrj" typeface="Estrangelo Edessa"/>
+        <a:font script="Syre" typeface="Estrangelo Edessa"/>
+        <a:font script="Sora" typeface="Nirmala UI"/>
+        <a:font script="Tale" typeface="Microsoft Tai Le"/>
+        <a:font script="Talu" typeface="Microsoft New Tai Lue"/>
+        <a:font script="Tfng" typeface="Ebrima"/>
+      </a:minorFont>
+    </a:fontScheme>
+    <a:fmtScheme name="Office">
+      <a:fillStyleLst>
+        <a:solidFill>
+          <a:schemeClr val="phClr"/>
+        </a:solidFill>
+        <a:gradFill rotWithShape="1">
+          <a:gsLst>
+            <a:gs pos="0">
+              <a:schemeClr val="phClr">
+                <a:lumMod val="110000"/>
+                <a:satMod val="105000"/>
+                <a:tint val="67000"/>
+              </a:schemeClr>
+            </a:gs>
+            <a:gs pos="50000">
+              <a:schemeClr val="phClr">
+                <a:lumMod val="105000"/>
+                <a:satMod val="103000"/>
+                <a:tint val="73000"/>
+              </a:schemeClr>
+            </a:gs>
+            <a:gs pos="100000">
+              <a:schemeClr val="phClr">
+                <a:lumMod val="105000"/>
+                <a:satMod val="109000"/>
+                <a:tint val="81000"/>
+              </a:schemeClr>
+            </a:gs>
+          </a:gsLst>
+          <a:lin ang="5400000" scaled="0"/>
+        </a:gradFill>
+        <a:gradFill rotWithShape="1">
+          <a:gsLst>
+            <a:gs pos="0">
+              <a:schemeClr val="phClr">
+                <a:satMod val="103000"/>
+                <a:lumMod val="102000"/>
+                <a:tint val="94000"/>
+              </a:schemeClr>
+            </a:gs>
+            <a:gs pos="50000">
+              <a:schemeClr val="phClr">
+                <a:satMod val="110000"/>
+                <a:lumMod val="100000"/>
+                <a:shade val="100000"/>
+              </a:schemeClr>
+            </a:gs>
+            <a:gs pos="100000">
+              <a:schemeClr val="phClr">
+                <a:lumMod val="99000"/>
+                <a:satMod val="120000"/>
+                <a:shade val="78000"/>
+              </a:schemeClr>
+            </a:gs>
+          </a:gsLst>
+          <a:lin ang="5400000" scaled="0"/>
+        </a:gradFill>
+      </a:fillStyleLst>
+      <a:lnStyleLst>
+        <a:ln w="6350" cap="flat" cmpd="sng" algn="ctr">
+          <a:solidFill>
+            <a:schemeClr val="phClr"/>
+          </a:solidFill>
+          <a:prstDash val="solid"/>
+          <a:miter lim="800000"/>
+        </a:ln>
+        <a:ln w="12700" cap="flat" cmpd="sng" algn="ctr">
+          <a:solidFill>
+            <a:schemeClr val="phClr"/>
+          </a:solidFill>
+          <a:prstDash val="solid"/>
+          <a:miter lim="800000"/>
+        </a:ln>
+        <a:ln w="19050" cap="flat" cmpd="sng" algn="ctr">
+          <a:solidFill>
+            <a:schemeClr val="phClr"/>
+          </a:solidFill>
+          <a:prstDash val="solid"/>
+          <a:miter lim="800000"/>
+        </a:ln>
+      </a:lnStyleLst>
+      <a:effectStyleLst>
+        <a:effectStyle>
+          <a:effectLst/>
+        </a:effectStyle>
+        <a:effectStyle>
+          <a:effectLst/>
+        </a:effectStyle>
+        <a:effectStyle>
+          <a:effectLst>
+            <a:outerShdw blurRad="57150" dist="19050" dir="5400000" algn="ctr" rotWithShape="0">
+              <a:srgbClr val="000000">
+                <a:alpha val="63000"/>
+              </a:srgbClr>
+            </a:outerShdw>
+          </a:effectLst>
+        </a:effectStyle>
+      </a:effectStyleLst>
+      <a:bgFillStyleLst>
+        <a:solidFill>
+          <a:schemeClr val="phClr"/>
+        </a:solidFill>
+        <a:solidFill>
+          <a:schemeClr val="phClr">
+            <a:tint val="95000"/>
+            <a:satMod val="170000"/>
+          </a:schemeClr>
+        </a:solidFill>
+        <a:gradFill rotWithShape="1">
+          <a:gsLst>
+            <a:gs pos="0">
+              <a:schemeClr val="phClr">
+                <a:tint val="93000"/>
+                <a:satMod val="150000"/>
+                <a:shade val="98000"/>
+                <a:lumMod val="102000"/>
+              </a:schemeClr>
+            </a:gs>
+            <a:gs pos="50000">
+              <a:schemeClr val="phClr">
+                <a:tint val="98000"/>
+                <a:satMod val="130000"/>
+                <a:shade val="90000"/>
+                <a:lumMod val="103000"/>
+              </a:schemeClr>
+            </a:gs>
+            <a:gs pos="100000">
+              <a:schemeClr val="phClr">
+                <a:shade val="63000"/>
+                <a:satMod val="120000"/>
+              </a:schemeClr>
+            </a:gs>
+          </a:gsLst>
+          <a:lin ang="5400000" scaled="0"/>
+        </a:gradFill>
+      </a:bgFillStyleLst>
+    </a:fmtScheme>
+  </a:themeElements>
+  <a:objectDefaults/>
+  <a:extraClrSchemeLst/>
+  <a:extLst>
+    <a:ext uri="{05A4C25C-085E-4340-85A3-A5531E510DB2}">
+      <thm15:themeFamily xmlns:thm15="http://schemas.microsoft.com/office/thememl/2012/main" name="Office Theme" id="{62F939B6-93AF-4DB8-9C6B-D6C7DFDC589F}" vid="{4A3C46E8-61CC-4603-A589-7422A47A8E4A}"/>
+    </a:ext>
+  </a:extLst>
+</a:theme>
 </file>
--- a/Presentation/thesis_overview.pptx
+++ b/Presentation/thesis_overview.pptx
@@ -5,17 +5,24 @@
     <p:sldMasterId id="2147483648" r:id="rId1"/>
   </p:sldMasterIdLst>
   <p:notesMasterIdLst>
-    <p:notesMasterId r:id="rId10"/>
+    <p:notesMasterId r:id="rId17"/>
   </p:notesMasterIdLst>
   <p:sldIdLst>
     <p:sldId id="256" r:id="rId2"/>
-    <p:sldId id="258" r:id="rId3"/>
-    <p:sldId id="257" r:id="rId4"/>
-    <p:sldId id="260" r:id="rId5"/>
-    <p:sldId id="259" r:id="rId6"/>
-    <p:sldId id="261" r:id="rId7"/>
-    <p:sldId id="262" r:id="rId8"/>
-    <p:sldId id="263" r:id="rId9"/>
+    <p:sldId id="270" r:id="rId3"/>
+    <p:sldId id="269" r:id="rId4"/>
+    <p:sldId id="258" r:id="rId5"/>
+    <p:sldId id="257" r:id="rId6"/>
+    <p:sldId id="260" r:id="rId7"/>
+    <p:sldId id="259" r:id="rId8"/>
+    <p:sldId id="261" r:id="rId9"/>
+    <p:sldId id="262" r:id="rId10"/>
+    <p:sldId id="263" r:id="rId11"/>
+    <p:sldId id="264" r:id="rId12"/>
+    <p:sldId id="265" r:id="rId13"/>
+    <p:sldId id="266" r:id="rId14"/>
+    <p:sldId id="267" r:id="rId15"/>
+    <p:sldId id="268" r:id="rId16"/>
   </p:sldIdLst>
   <p:sldSz cx="12192000" cy="6858000"/>
   <p:notesSz cx="6858000" cy="9144000"/>
@@ -562,7 +569,7 @@
           <a:p>
             <a:fld id="{FF8E2075-CA56-421E-B5CA-3A21695CDA2C}" type="slidenum">
               <a:rPr lang="en-GB" smtClean="0"/>
-              <a:t>5</a:t>
+              <a:t>7</a:t>
             </a:fld>
             <a:endParaRPr lang="en-GB"/>
           </a:p>
@@ -646,7 +653,7 @@
           <a:p>
             <a:fld id="{FF8E2075-CA56-421E-B5CA-3A21695CDA2C}" type="slidenum">
               <a:rPr lang="en-GB" smtClean="0"/>
-              <a:t>7</a:t>
+              <a:t>9</a:t>
             </a:fld>
             <a:endParaRPr lang="en-GB"/>
           </a:p>
@@ -730,7 +737,7 @@
           <a:p>
             <a:fld id="{FF8E2075-CA56-421E-B5CA-3A21695CDA2C}" type="slidenum">
               <a:rPr lang="en-GB" smtClean="0"/>
-              <a:t>8</a:t>
+              <a:t>10</a:t>
             </a:fld>
             <a:endParaRPr lang="en-GB"/>
           </a:p>
@@ -4053,6 +4060,550 @@
 </p:sld>
 </file>
 
+<file path=ppt/slides/slide10.xml><?xml version="1.0" encoding="utf-8"?>
+<p:sld xmlns:a="http://schemas.openxmlformats.org/drawingml/2006/main" xmlns:r="http://schemas.openxmlformats.org/officeDocument/2006/relationships" xmlns:p="http://schemas.openxmlformats.org/presentationml/2006/main">
+  <p:cSld>
+    <p:spTree>
+      <p:nvGrpSpPr>
+        <p:cNvPr id="1" name=""/>
+        <p:cNvGrpSpPr/>
+        <p:nvPr/>
+      </p:nvGrpSpPr>
+      <p:grpSpPr>
+        <a:xfrm>
+          <a:off x="0" y="0"/>
+          <a:ext cx="0" cy="0"/>
+          <a:chOff x="0" y="0"/>
+          <a:chExt cx="0" cy="0"/>
+        </a:xfrm>
+      </p:grpSpPr>
+      <p:sp>
+        <p:nvSpPr>
+          <p:cNvPr id="2" name="Title 1">
+            <a:extLst>
+              <a:ext uri="{FF2B5EF4-FFF2-40B4-BE49-F238E27FC236}">
+                <a16:creationId xmlns:a16="http://schemas.microsoft.com/office/drawing/2014/main" id="{E93E65B4-66C4-43D7-AA80-4B6D4E8BB94F}"/>
+              </a:ext>
+            </a:extLst>
+          </p:cNvPr>
+          <p:cNvSpPr>
+            <a:spLocks noGrp="1"/>
+          </p:cNvSpPr>
+          <p:nvPr>
+            <p:ph type="title"/>
+          </p:nvPr>
+        </p:nvSpPr>
+        <p:spPr/>
+        <p:txBody>
+          <a:bodyPr/>
+          <a:lstStyle/>
+          <a:p>
+            <a:r>
+              <a:rPr lang="en-GB" dirty="0"/>
+              <a:t>Closed loop: broadband driver</a:t>
+            </a:r>
+          </a:p>
+        </p:txBody>
+      </p:sp>
+      <p:sp>
+        <p:nvSpPr>
+          <p:cNvPr id="3" name="Content Placeholder 2">
+            <a:extLst>
+              <a:ext uri="{FF2B5EF4-FFF2-40B4-BE49-F238E27FC236}">
+                <a16:creationId xmlns:a16="http://schemas.microsoft.com/office/drawing/2014/main" id="{2F49C08A-910F-4C35-A616-6CB0ABD0A996}"/>
+              </a:ext>
+            </a:extLst>
+          </p:cNvPr>
+          <p:cNvSpPr>
+            <a:spLocks noGrp="1"/>
+          </p:cNvSpPr>
+          <p:nvPr>
+            <p:ph idx="1"/>
+          </p:nvPr>
+        </p:nvSpPr>
+        <p:spPr/>
+        <p:txBody>
+          <a:bodyPr/>
+          <a:lstStyle/>
+          <a:p>
+            <a:r>
+              <a:rPr lang="en-GB" dirty="0"/>
+              <a:t>Goal here is to tie the results to observations.</a:t>
+            </a:r>
+          </a:p>
+          <a:p>
+            <a:r>
+              <a:rPr lang="en-GB" dirty="0"/>
+              <a:t>Will the energy of a randomly driven loop grow to infinity or oscillate about a finite value?</a:t>
+            </a:r>
+          </a:p>
+          <a:p>
+            <a:r>
+              <a:rPr lang="en-GB" dirty="0"/>
+              <a:t>Check white noise result agrees with Fourier result.</a:t>
+            </a:r>
+          </a:p>
+          <a:p>
+            <a:r>
+              <a:rPr lang="en-GB" dirty="0"/>
+              <a:t>The most natural way to do this gives you a Langevin equation.</a:t>
+            </a:r>
+          </a:p>
+          <a:p>
+            <a:r>
+              <a:rPr lang="en-GB" dirty="0"/>
+              <a:t>The Langevin equation with white noise we can calculate a nice analytic solution precisely. However, it quite confusing because we have a white noise force that excites all frequencies equally.</a:t>
+            </a:r>
+          </a:p>
+        </p:txBody>
+      </p:sp>
+    </p:spTree>
+    <p:extLst>
+      <p:ext uri="{BB962C8B-B14F-4D97-AF65-F5344CB8AC3E}">
+        <p14:creationId xmlns:p14="http://schemas.microsoft.com/office/powerpoint/2010/main" val="1581023814"/>
+      </p:ext>
+    </p:extLst>
+  </p:cSld>
+  <p:clrMapOvr>
+    <a:masterClrMapping/>
+  </p:clrMapOvr>
+</p:sld>
+</file>
+
+<file path=ppt/slides/slide11.xml><?xml version="1.0" encoding="utf-8"?>
+<p:sld xmlns:a="http://schemas.openxmlformats.org/drawingml/2006/main" xmlns:r="http://schemas.openxmlformats.org/officeDocument/2006/relationships" xmlns:p="http://schemas.openxmlformats.org/presentationml/2006/main">
+  <p:cSld>
+    <p:spTree>
+      <p:nvGrpSpPr>
+        <p:cNvPr id="1" name=""/>
+        <p:cNvGrpSpPr/>
+        <p:nvPr/>
+      </p:nvGrpSpPr>
+      <p:grpSpPr>
+        <a:xfrm>
+          <a:off x="0" y="0"/>
+          <a:ext cx="0" cy="0"/>
+          <a:chOff x="0" y="0"/>
+          <a:chExt cx="0" cy="0"/>
+        </a:xfrm>
+      </p:grpSpPr>
+      <p:sp>
+        <p:nvSpPr>
+          <p:cNvPr id="2" name="Title 1">
+            <a:extLst>
+              <a:ext uri="{FF2B5EF4-FFF2-40B4-BE49-F238E27FC236}">
+                <a16:creationId xmlns:a16="http://schemas.microsoft.com/office/drawing/2014/main" id="{27682492-694F-4F72-9E33-7E5847FD52BB}"/>
+              </a:ext>
+            </a:extLst>
+          </p:cNvPr>
+          <p:cNvSpPr>
+            <a:spLocks noGrp="1"/>
+          </p:cNvSpPr>
+          <p:nvPr>
+            <p:ph type="title"/>
+          </p:nvPr>
+        </p:nvSpPr>
+        <p:spPr/>
+        <p:txBody>
+          <a:bodyPr/>
+          <a:lstStyle/>
+          <a:p>
+            <a:r>
+              <a:rPr lang="en-GB" dirty="0"/>
+              <a:t>Leaky loop: reflection </a:t>
+            </a:r>
+            <a:r>
+              <a:rPr lang="en-GB" dirty="0" err="1"/>
+              <a:t>coefficent</a:t>
+            </a:r>
+            <a:endParaRPr lang="en-GB" dirty="0"/>
+          </a:p>
+        </p:txBody>
+      </p:sp>
+      <p:sp>
+        <p:nvSpPr>
+          <p:cNvPr id="3" name="Content Placeholder 2">
+            <a:extLst>
+              <a:ext uri="{FF2B5EF4-FFF2-40B4-BE49-F238E27FC236}">
+                <a16:creationId xmlns:a16="http://schemas.microsoft.com/office/drawing/2014/main" id="{C8A3E78C-C32F-443B-9219-016BD8B1097E}"/>
+              </a:ext>
+            </a:extLst>
+          </p:cNvPr>
+          <p:cNvSpPr>
+            <a:spLocks noGrp="1"/>
+          </p:cNvSpPr>
+          <p:nvPr>
+            <p:ph idx="1"/>
+          </p:nvPr>
+        </p:nvSpPr>
+        <p:spPr/>
+        <p:txBody>
+          <a:bodyPr/>
+          <a:lstStyle/>
+          <a:p>
+            <a:endParaRPr lang="en-GB"/>
+          </a:p>
+        </p:txBody>
+      </p:sp>
+    </p:spTree>
+    <p:extLst>
+      <p:ext uri="{BB962C8B-B14F-4D97-AF65-F5344CB8AC3E}">
+        <p14:creationId xmlns:p14="http://schemas.microsoft.com/office/powerpoint/2010/main" val="3840959430"/>
+      </p:ext>
+    </p:extLst>
+  </p:cSld>
+  <p:clrMapOvr>
+    <a:masterClrMapping/>
+  </p:clrMapOvr>
+</p:sld>
+</file>
+
+<file path=ppt/slides/slide12.xml><?xml version="1.0" encoding="utf-8"?>
+<p:sld xmlns:a="http://schemas.openxmlformats.org/drawingml/2006/main" xmlns:r="http://schemas.openxmlformats.org/officeDocument/2006/relationships" xmlns:p="http://schemas.openxmlformats.org/presentationml/2006/main">
+  <p:cSld>
+    <p:spTree>
+      <p:nvGrpSpPr>
+        <p:cNvPr id="1" name=""/>
+        <p:cNvGrpSpPr/>
+        <p:nvPr/>
+      </p:nvGrpSpPr>
+      <p:grpSpPr>
+        <a:xfrm>
+          <a:off x="0" y="0"/>
+          <a:ext cx="0" cy="0"/>
+          <a:chOff x="0" y="0"/>
+          <a:chExt cx="0" cy="0"/>
+        </a:xfrm>
+      </p:grpSpPr>
+      <p:sp>
+        <p:nvSpPr>
+          <p:cNvPr id="2" name="Title 1">
+            <a:extLst>
+              <a:ext uri="{FF2B5EF4-FFF2-40B4-BE49-F238E27FC236}">
+                <a16:creationId xmlns:a16="http://schemas.microsoft.com/office/drawing/2014/main" id="{082022AB-05D7-4F6E-B59D-38080D1981D1}"/>
+              </a:ext>
+            </a:extLst>
+          </p:cNvPr>
+          <p:cNvSpPr>
+            <a:spLocks noGrp="1"/>
+          </p:cNvSpPr>
+          <p:nvPr>
+            <p:ph type="title"/>
+          </p:nvPr>
+        </p:nvSpPr>
+        <p:spPr/>
+        <p:txBody>
+          <a:bodyPr/>
+          <a:lstStyle/>
+          <a:p>
+            <a:r>
+              <a:rPr lang="en-GB" dirty="0"/>
+              <a:t>Leaky loop: general solution</a:t>
+            </a:r>
+          </a:p>
+        </p:txBody>
+      </p:sp>
+      <p:sp>
+        <p:nvSpPr>
+          <p:cNvPr id="3" name="Content Placeholder 2">
+            <a:extLst>
+              <a:ext uri="{FF2B5EF4-FFF2-40B4-BE49-F238E27FC236}">
+                <a16:creationId xmlns:a16="http://schemas.microsoft.com/office/drawing/2014/main" id="{4AAB7F08-2F02-46AF-A18C-0D026730BECC}"/>
+              </a:ext>
+            </a:extLst>
+          </p:cNvPr>
+          <p:cNvSpPr>
+            <a:spLocks noGrp="1"/>
+          </p:cNvSpPr>
+          <p:nvPr>
+            <p:ph idx="1"/>
+          </p:nvPr>
+        </p:nvSpPr>
+        <p:spPr/>
+        <p:txBody>
+          <a:bodyPr/>
+          <a:lstStyle/>
+          <a:p>
+            <a:endParaRPr lang="en-GB"/>
+          </a:p>
+        </p:txBody>
+      </p:sp>
+    </p:spTree>
+    <p:extLst>
+      <p:ext uri="{BB962C8B-B14F-4D97-AF65-F5344CB8AC3E}">
+        <p14:creationId xmlns:p14="http://schemas.microsoft.com/office/powerpoint/2010/main" val="37731531"/>
+      </p:ext>
+    </p:extLst>
+  </p:cSld>
+  <p:clrMapOvr>
+    <a:masterClrMapping/>
+  </p:clrMapOvr>
+</p:sld>
+</file>
+
+<file path=ppt/slides/slide13.xml><?xml version="1.0" encoding="utf-8"?>
+<p:sld xmlns:a="http://schemas.openxmlformats.org/drawingml/2006/main" xmlns:r="http://schemas.openxmlformats.org/officeDocument/2006/relationships" xmlns:p="http://schemas.openxmlformats.org/presentationml/2006/main">
+  <p:cSld>
+    <p:spTree>
+      <p:nvGrpSpPr>
+        <p:cNvPr id="1" name=""/>
+        <p:cNvGrpSpPr/>
+        <p:nvPr/>
+      </p:nvGrpSpPr>
+      <p:grpSpPr>
+        <a:xfrm>
+          <a:off x="0" y="0"/>
+          <a:ext cx="0" cy="0"/>
+          <a:chOff x="0" y="0"/>
+          <a:chExt cx="0" cy="0"/>
+        </a:xfrm>
+      </p:grpSpPr>
+      <p:sp>
+        <p:nvSpPr>
+          <p:cNvPr id="2" name="Title 1">
+            <a:extLst>
+              <a:ext uri="{FF2B5EF4-FFF2-40B4-BE49-F238E27FC236}">
+                <a16:creationId xmlns:a16="http://schemas.microsoft.com/office/drawing/2014/main" id="{EBCAFC79-E6FB-427F-9D4F-0AC185C77DFF}"/>
+              </a:ext>
+            </a:extLst>
+          </p:cNvPr>
+          <p:cNvSpPr>
+            <a:spLocks noGrp="1"/>
+          </p:cNvSpPr>
+          <p:nvPr>
+            <p:ph type="title"/>
+          </p:nvPr>
+        </p:nvSpPr>
+        <p:spPr/>
+        <p:txBody>
+          <a:bodyPr/>
+          <a:lstStyle/>
+          <a:p>
+            <a:r>
+              <a:rPr lang="en-GB" dirty="0"/>
+              <a:t>Leaky loop: steady state solution</a:t>
+            </a:r>
+          </a:p>
+        </p:txBody>
+      </p:sp>
+      <p:sp>
+        <p:nvSpPr>
+          <p:cNvPr id="3" name="Content Placeholder 2">
+            <a:extLst>
+              <a:ext uri="{FF2B5EF4-FFF2-40B4-BE49-F238E27FC236}">
+                <a16:creationId xmlns:a16="http://schemas.microsoft.com/office/drawing/2014/main" id="{D8076796-C062-4872-95B4-7821AF673BEA}"/>
+              </a:ext>
+            </a:extLst>
+          </p:cNvPr>
+          <p:cNvSpPr>
+            <a:spLocks noGrp="1"/>
+          </p:cNvSpPr>
+          <p:nvPr>
+            <p:ph idx="1"/>
+          </p:nvPr>
+        </p:nvSpPr>
+        <p:spPr/>
+        <p:txBody>
+          <a:bodyPr/>
+          <a:lstStyle/>
+          <a:p>
+            <a:endParaRPr lang="en-GB"/>
+          </a:p>
+        </p:txBody>
+      </p:sp>
+    </p:spTree>
+    <p:extLst>
+      <p:ext uri="{BB962C8B-B14F-4D97-AF65-F5344CB8AC3E}">
+        <p14:creationId xmlns:p14="http://schemas.microsoft.com/office/powerpoint/2010/main" val="518936239"/>
+      </p:ext>
+    </p:extLst>
+  </p:cSld>
+  <p:clrMapOvr>
+    <a:masterClrMapping/>
+  </p:clrMapOvr>
+</p:sld>
+</file>
+
+<file path=ppt/slides/slide14.xml><?xml version="1.0" encoding="utf-8"?>
+<p:sld xmlns:a="http://schemas.openxmlformats.org/drawingml/2006/main" xmlns:r="http://schemas.openxmlformats.org/officeDocument/2006/relationships" xmlns:p="http://schemas.openxmlformats.org/presentationml/2006/main">
+  <p:cSld>
+    <p:spTree>
+      <p:nvGrpSpPr>
+        <p:cNvPr id="1" name=""/>
+        <p:cNvGrpSpPr/>
+        <p:nvPr/>
+      </p:nvGrpSpPr>
+      <p:grpSpPr>
+        <a:xfrm>
+          <a:off x="0" y="0"/>
+          <a:ext cx="0" cy="0"/>
+          <a:chOff x="0" y="0"/>
+          <a:chExt cx="0" cy="0"/>
+        </a:xfrm>
+      </p:grpSpPr>
+      <p:sp>
+        <p:nvSpPr>
+          <p:cNvPr id="2" name="Title 1">
+            <a:extLst>
+              <a:ext uri="{FF2B5EF4-FFF2-40B4-BE49-F238E27FC236}">
+                <a16:creationId xmlns:a16="http://schemas.microsoft.com/office/drawing/2014/main" id="{FD329230-F992-4F9B-982B-40B313E61947}"/>
+              </a:ext>
+            </a:extLst>
+          </p:cNvPr>
+          <p:cNvSpPr>
+            <a:spLocks noGrp="1"/>
+          </p:cNvSpPr>
+          <p:nvPr>
+            <p:ph type="title"/>
+          </p:nvPr>
+        </p:nvSpPr>
+        <p:spPr/>
+        <p:txBody>
+          <a:bodyPr/>
+          <a:lstStyle/>
+          <a:p>
+            <a:r>
+              <a:rPr lang="en-GB" dirty="0"/>
+              <a:t>Chapter 3: Resistive phase-mixed Alfven waves</a:t>
+            </a:r>
+          </a:p>
+        </p:txBody>
+      </p:sp>
+      <p:sp>
+        <p:nvSpPr>
+          <p:cNvPr id="3" name="Content Placeholder 2">
+            <a:extLst>
+              <a:ext uri="{FF2B5EF4-FFF2-40B4-BE49-F238E27FC236}">
+                <a16:creationId xmlns:a16="http://schemas.microsoft.com/office/drawing/2014/main" id="{B2F994B5-8670-4345-87DD-F5E52F69FD76}"/>
+              </a:ext>
+            </a:extLst>
+          </p:cNvPr>
+          <p:cNvSpPr>
+            <a:spLocks noGrp="1"/>
+          </p:cNvSpPr>
+          <p:nvPr>
+            <p:ph idx="1"/>
+          </p:nvPr>
+        </p:nvSpPr>
+        <p:spPr/>
+        <p:txBody>
+          <a:bodyPr/>
+          <a:lstStyle/>
+          <a:p>
+            <a:r>
+              <a:rPr lang="en-GB" dirty="0"/>
+              <a:t>Show that the steep gradients produced by phase mixing play a negligible direct role in coronal heating. However, it is possible that they trigger a turbulent cascade which then results in dissipation due to gradients formed parallel to the magnetic field or velocity field.</a:t>
+            </a:r>
+          </a:p>
+          <a:p>
+            <a:r>
+              <a:rPr lang="en-GB" dirty="0"/>
+              <a:t>To do this I showed that the heating rate per unit of wave energy, </a:t>
+            </a:r>
+            <a:r>
+              <a:rPr lang="el-GR" dirty="0"/>
+              <a:t>γ</a:t>
+            </a:r>
+            <a:r>
+              <a:rPr lang="en-GB" dirty="0"/>
+              <a:t>, is too small</a:t>
+            </a:r>
+          </a:p>
+        </p:txBody>
+      </p:sp>
+    </p:spTree>
+    <p:extLst>
+      <p:ext uri="{BB962C8B-B14F-4D97-AF65-F5344CB8AC3E}">
+        <p14:creationId xmlns:p14="http://schemas.microsoft.com/office/powerpoint/2010/main" val="4265235214"/>
+      </p:ext>
+    </p:extLst>
+  </p:cSld>
+  <p:clrMapOvr>
+    <a:masterClrMapping/>
+  </p:clrMapOvr>
+</p:sld>
+</file>
+
+<file path=ppt/slides/slide15.xml><?xml version="1.0" encoding="utf-8"?>
+<p:sld xmlns:a="http://schemas.openxmlformats.org/drawingml/2006/main" xmlns:r="http://schemas.openxmlformats.org/officeDocument/2006/relationships" xmlns:p="http://schemas.openxmlformats.org/presentationml/2006/main">
+  <p:cSld>
+    <p:spTree>
+      <p:nvGrpSpPr>
+        <p:cNvPr id="1" name=""/>
+        <p:cNvGrpSpPr/>
+        <p:nvPr/>
+      </p:nvGrpSpPr>
+      <p:grpSpPr>
+        <a:xfrm>
+          <a:off x="0" y="0"/>
+          <a:ext cx="0" cy="0"/>
+          <a:chOff x="0" y="0"/>
+          <a:chExt cx="0" cy="0"/>
+        </a:xfrm>
+      </p:grpSpPr>
+      <p:sp>
+        <p:nvSpPr>
+          <p:cNvPr id="2" name="Title 1">
+            <a:extLst>
+              <a:ext uri="{FF2B5EF4-FFF2-40B4-BE49-F238E27FC236}">
+                <a16:creationId xmlns:a16="http://schemas.microsoft.com/office/drawing/2014/main" id="{B2A558C5-5B4C-411A-924C-CA502A7F66DD}"/>
+              </a:ext>
+            </a:extLst>
+          </p:cNvPr>
+          <p:cNvSpPr>
+            <a:spLocks noGrp="1"/>
+          </p:cNvSpPr>
+          <p:nvPr>
+            <p:ph type="title"/>
+          </p:nvPr>
+        </p:nvSpPr>
+        <p:spPr/>
+        <p:txBody>
+          <a:bodyPr/>
+          <a:lstStyle/>
+          <a:p>
+            <a:endParaRPr lang="en-GB"/>
+          </a:p>
+        </p:txBody>
+      </p:sp>
+      <p:sp>
+        <p:nvSpPr>
+          <p:cNvPr id="3" name="Content Placeholder 2">
+            <a:extLst>
+              <a:ext uri="{FF2B5EF4-FFF2-40B4-BE49-F238E27FC236}">
+                <a16:creationId xmlns:a16="http://schemas.microsoft.com/office/drawing/2014/main" id="{C5463C6D-487F-4263-9F48-753ED0BD4063}"/>
+              </a:ext>
+            </a:extLst>
+          </p:cNvPr>
+          <p:cNvSpPr>
+            <a:spLocks noGrp="1"/>
+          </p:cNvSpPr>
+          <p:nvPr>
+            <p:ph idx="1"/>
+          </p:nvPr>
+        </p:nvSpPr>
+        <p:spPr/>
+        <p:txBody>
+          <a:bodyPr/>
+          <a:lstStyle/>
+          <a:p>
+            <a:endParaRPr lang="en-GB"/>
+          </a:p>
+        </p:txBody>
+      </p:sp>
+    </p:spTree>
+    <p:extLst>
+      <p:ext uri="{BB962C8B-B14F-4D97-AF65-F5344CB8AC3E}">
+        <p14:creationId xmlns:p14="http://schemas.microsoft.com/office/powerpoint/2010/main" val="97279022"/>
+      </p:ext>
+    </p:extLst>
+  </p:cSld>
+  <p:clrMapOvr>
+    <a:masterClrMapping/>
+  </p:clrMapOvr>
+</p:sld>
+</file>
+
 <file path=ppt/slides/slide2.xml><?xml version="1.0" encoding="utf-8"?>
 <p:sld xmlns:a="http://schemas.openxmlformats.org/drawingml/2006/main" xmlns:r="http://schemas.openxmlformats.org/officeDocument/2006/relationships" xmlns:p="http://schemas.openxmlformats.org/presentationml/2006/main">
   <p:cSld>
@@ -4075,7 +4626,7 @@
           <p:cNvPr id="2" name="Title 1">
             <a:extLst>
               <a:ext uri="{FF2B5EF4-FFF2-40B4-BE49-F238E27FC236}">
-                <a16:creationId xmlns:a16="http://schemas.microsoft.com/office/drawing/2014/main" id="{E2F8EC9B-CA0F-4853-89CF-EFDF04686291}"/>
+                <a16:creationId xmlns:a16="http://schemas.microsoft.com/office/drawing/2014/main" id="{2736ED02-26DD-4593-866F-99E032C2D97A}"/>
               </a:ext>
             </a:extLst>
           </p:cNvPr>
@@ -4103,7 +4654,7 @@
           <p:cNvPr id="3" name="Content Placeholder 2">
             <a:extLst>
               <a:ext uri="{FF2B5EF4-FFF2-40B4-BE49-F238E27FC236}">
-                <a16:creationId xmlns:a16="http://schemas.microsoft.com/office/drawing/2014/main" id="{03A3CFC4-5312-46DB-A820-53E83177957A}"/>
+                <a16:creationId xmlns:a16="http://schemas.microsoft.com/office/drawing/2014/main" id="{F73D130F-2D00-4CCA-BF91-B32A55475874}"/>
               </a:ext>
             </a:extLst>
           </p:cNvPr>
@@ -4119,41 +4670,14 @@
           <a:bodyPr/>
           <a:lstStyle/>
           <a:p>
-            <a:r>
-              <a:rPr lang="en-GB" dirty="0"/>
-              <a:t>Solar atmosphere</a:t>
-            </a:r>
-          </a:p>
-          <a:p>
-            <a:r>
-              <a:rPr lang="en-GB" dirty="0"/>
-              <a:t>Coronal heating problem</a:t>
-            </a:r>
-          </a:p>
-          <a:p>
-            <a:r>
-              <a:rPr lang="en-GB" dirty="0"/>
-              <a:t>MHD equations &amp; assumptions</a:t>
-            </a:r>
-          </a:p>
-          <a:p>
-            <a:r>
-              <a:rPr lang="en-GB" dirty="0"/>
-              <a:t>MHD waves: dispersion relation</a:t>
-            </a:r>
-          </a:p>
-          <a:p>
-            <a:r>
-              <a:rPr lang="en-GB" dirty="0"/>
-              <a:t>MHD waves: power spectrum</a:t>
-            </a:r>
+            <a:endParaRPr lang="en-GB"/>
           </a:p>
         </p:txBody>
       </p:sp>
     </p:spTree>
     <p:extLst>
       <p:ext uri="{BB962C8B-B14F-4D97-AF65-F5344CB8AC3E}">
-        <p14:creationId xmlns:p14="http://schemas.microsoft.com/office/powerpoint/2010/main" val="2739917218"/>
+        <p14:creationId xmlns:p14="http://schemas.microsoft.com/office/powerpoint/2010/main" val="2255674389"/>
       </p:ext>
     </p:extLst>
   </p:cSld>
@@ -4185,7 +4709,7 @@
           <p:cNvPr id="2" name="Title 1">
             <a:extLst>
               <a:ext uri="{FF2B5EF4-FFF2-40B4-BE49-F238E27FC236}">
-                <a16:creationId xmlns:a16="http://schemas.microsoft.com/office/drawing/2014/main" id="{E2F8EC9B-CA0F-4853-89CF-EFDF04686291}"/>
+                <a16:creationId xmlns:a16="http://schemas.microsoft.com/office/drawing/2014/main" id="{4BCD22F2-9399-421C-8483-BD7C9D99415B}"/>
               </a:ext>
             </a:extLst>
           </p:cNvPr>
@@ -4203,82 +4727,43 @@
           <a:p>
             <a:r>
               <a:rPr lang="en-GB" dirty="0"/>
-              <a:t>Chapter 2: Ideal </a:t>
-            </a:r>
-            <a:r>
-              <a:rPr lang="en-GB" dirty="0" err="1"/>
-              <a:t>footpoint</a:t>
-            </a:r>
+              <a:t>Chapter 1 aims:</a:t>
+            </a:r>
+          </a:p>
+        </p:txBody>
+      </p:sp>
+      <p:sp>
+        <p:nvSpPr>
+          <p:cNvPr id="3" name="Content Placeholder 2">
+            <a:extLst>
+              <a:ext uri="{FF2B5EF4-FFF2-40B4-BE49-F238E27FC236}">
+                <a16:creationId xmlns:a16="http://schemas.microsoft.com/office/drawing/2014/main" id="{C44B04ED-B59A-4EDC-B3C0-D577005B893A}"/>
+              </a:ext>
+            </a:extLst>
+          </p:cNvPr>
+          <p:cNvSpPr>
+            <a:spLocks noGrp="1"/>
+          </p:cNvSpPr>
+          <p:nvPr>
+            <p:ph idx="1"/>
+          </p:nvPr>
+        </p:nvSpPr>
+        <p:spPr/>
+        <p:txBody>
+          <a:bodyPr/>
+          <a:lstStyle/>
+          <a:p>
             <a:r>
               <a:rPr lang="en-GB" dirty="0"/>
-              <a:t> driven Alfven waves</a:t>
-            </a:r>
-          </a:p>
-        </p:txBody>
-      </p:sp>
-      <p:sp>
-        <p:nvSpPr>
-          <p:cNvPr id="3" name="Content Placeholder 2">
-            <a:extLst>
-              <a:ext uri="{FF2B5EF4-FFF2-40B4-BE49-F238E27FC236}">
-                <a16:creationId xmlns:a16="http://schemas.microsoft.com/office/drawing/2014/main" id="{03A3CFC4-5312-46DB-A820-53E83177957A}"/>
-              </a:ext>
-            </a:extLst>
-          </p:cNvPr>
-          <p:cNvSpPr>
-            <a:spLocks noGrp="1"/>
-          </p:cNvSpPr>
-          <p:nvPr>
-            <p:ph idx="1"/>
-          </p:nvPr>
-        </p:nvSpPr>
-        <p:spPr/>
-        <p:txBody>
-          <a:bodyPr/>
-          <a:lstStyle/>
-          <a:p>
-            <a:r>
-              <a:rPr lang="en-GB" dirty="0"/>
-              <a:t>The main goal here is to introduce concepts relevant for the rest of the thesis.</a:t>
-            </a:r>
-          </a:p>
-          <a:p>
-            <a:r>
-              <a:rPr lang="en-GB" dirty="0"/>
-              <a:t>Still has elements of original research. For example I am not aware of anyone using the </a:t>
-            </a:r>
-            <a:r>
-              <a:rPr lang="en-GB" dirty="0" err="1"/>
-              <a:t>D’Alambert’s</a:t>
-            </a:r>
-            <a:r>
-              <a:rPr lang="en-GB" dirty="0"/>
-              <a:t> formula.</a:t>
-            </a:r>
-          </a:p>
-          <a:p>
-            <a:r>
-              <a:rPr lang="en-GB" dirty="0"/>
-              <a:t>Useful for numerical as people often drive with a sinusoidal </a:t>
-            </a:r>
-            <a:r>
-              <a:rPr lang="en-GB" dirty="0" err="1"/>
-              <a:t>footpoint</a:t>
-            </a:r>
-            <a:r>
-              <a:rPr lang="en-GB" dirty="0"/>
-              <a:t> driver.</a:t>
-            </a:r>
-          </a:p>
-          <a:p>
-            <a:endParaRPr lang="en-GB" dirty="0"/>
+              <a:t>1.1: Introduce </a:t>
+            </a:r>
           </a:p>
         </p:txBody>
       </p:sp>
     </p:spTree>
     <p:extLst>
       <p:ext uri="{BB962C8B-B14F-4D97-AF65-F5344CB8AC3E}">
-        <p14:creationId xmlns:p14="http://schemas.microsoft.com/office/powerpoint/2010/main" val="4020169254"/>
+        <p14:creationId xmlns:p14="http://schemas.microsoft.com/office/powerpoint/2010/main" val="3682120817"/>
       </p:ext>
     </p:extLst>
   </p:cSld>
@@ -4310,6 +4795,241 @@
           <p:cNvPr id="2" name="Title 1">
             <a:extLst>
               <a:ext uri="{FF2B5EF4-FFF2-40B4-BE49-F238E27FC236}">
+                <a16:creationId xmlns:a16="http://schemas.microsoft.com/office/drawing/2014/main" id="{E2F8EC9B-CA0F-4853-89CF-EFDF04686291}"/>
+              </a:ext>
+            </a:extLst>
+          </p:cNvPr>
+          <p:cNvSpPr>
+            <a:spLocks noGrp="1"/>
+          </p:cNvSpPr>
+          <p:nvPr>
+            <p:ph type="title"/>
+          </p:nvPr>
+        </p:nvSpPr>
+        <p:spPr/>
+        <p:txBody>
+          <a:bodyPr/>
+          <a:lstStyle/>
+          <a:p>
+            <a:r>
+              <a:rPr lang="en-GB" dirty="0"/>
+              <a:t>Chapter 1: Introduction</a:t>
+            </a:r>
+          </a:p>
+        </p:txBody>
+      </p:sp>
+      <p:sp>
+        <p:nvSpPr>
+          <p:cNvPr id="3" name="Content Placeholder 2">
+            <a:extLst>
+              <a:ext uri="{FF2B5EF4-FFF2-40B4-BE49-F238E27FC236}">
+                <a16:creationId xmlns:a16="http://schemas.microsoft.com/office/drawing/2014/main" id="{03A3CFC4-5312-46DB-A820-53E83177957A}"/>
+              </a:ext>
+            </a:extLst>
+          </p:cNvPr>
+          <p:cNvSpPr>
+            <a:spLocks noGrp="1"/>
+          </p:cNvSpPr>
+          <p:nvPr>
+            <p:ph idx="1"/>
+          </p:nvPr>
+        </p:nvSpPr>
+        <p:spPr/>
+        <p:txBody>
+          <a:bodyPr/>
+          <a:lstStyle/>
+          <a:p>
+            <a:r>
+              <a:rPr lang="en-GB" dirty="0"/>
+              <a:t>Solar atmosphere</a:t>
+            </a:r>
+          </a:p>
+          <a:p>
+            <a:r>
+              <a:rPr lang="en-GB" dirty="0"/>
+              <a:t>Coronal heating problem</a:t>
+            </a:r>
+          </a:p>
+          <a:p>
+            <a:r>
+              <a:rPr lang="en-GB" dirty="0"/>
+              <a:t>MHD equations &amp; assumptions</a:t>
+            </a:r>
+          </a:p>
+          <a:p>
+            <a:r>
+              <a:rPr lang="en-GB" dirty="0"/>
+              <a:t>MHD waves: dispersion relation</a:t>
+            </a:r>
+          </a:p>
+          <a:p>
+            <a:r>
+              <a:rPr lang="en-GB" dirty="0"/>
+              <a:t>MHD waves: power spectrum</a:t>
+            </a:r>
+          </a:p>
+        </p:txBody>
+      </p:sp>
+    </p:spTree>
+    <p:extLst>
+      <p:ext uri="{BB962C8B-B14F-4D97-AF65-F5344CB8AC3E}">
+        <p14:creationId xmlns:p14="http://schemas.microsoft.com/office/powerpoint/2010/main" val="2739917218"/>
+      </p:ext>
+    </p:extLst>
+  </p:cSld>
+  <p:clrMapOvr>
+    <a:masterClrMapping/>
+  </p:clrMapOvr>
+</p:sld>
+</file>
+
+<file path=ppt/slides/slide5.xml><?xml version="1.0" encoding="utf-8"?>
+<p:sld xmlns:a="http://schemas.openxmlformats.org/drawingml/2006/main" xmlns:r="http://schemas.openxmlformats.org/officeDocument/2006/relationships" xmlns:p="http://schemas.openxmlformats.org/presentationml/2006/main">
+  <p:cSld>
+    <p:spTree>
+      <p:nvGrpSpPr>
+        <p:cNvPr id="1" name=""/>
+        <p:cNvGrpSpPr/>
+        <p:nvPr/>
+      </p:nvGrpSpPr>
+      <p:grpSpPr>
+        <a:xfrm>
+          <a:off x="0" y="0"/>
+          <a:ext cx="0" cy="0"/>
+          <a:chOff x="0" y="0"/>
+          <a:chExt cx="0" cy="0"/>
+        </a:xfrm>
+      </p:grpSpPr>
+      <p:sp>
+        <p:nvSpPr>
+          <p:cNvPr id="2" name="Title 1">
+            <a:extLst>
+              <a:ext uri="{FF2B5EF4-FFF2-40B4-BE49-F238E27FC236}">
+                <a16:creationId xmlns:a16="http://schemas.microsoft.com/office/drawing/2014/main" id="{E2F8EC9B-CA0F-4853-89CF-EFDF04686291}"/>
+              </a:ext>
+            </a:extLst>
+          </p:cNvPr>
+          <p:cNvSpPr>
+            <a:spLocks noGrp="1"/>
+          </p:cNvSpPr>
+          <p:nvPr>
+            <p:ph type="title"/>
+          </p:nvPr>
+        </p:nvSpPr>
+        <p:spPr/>
+        <p:txBody>
+          <a:bodyPr/>
+          <a:lstStyle/>
+          <a:p>
+            <a:r>
+              <a:rPr lang="en-GB" dirty="0"/>
+              <a:t>Chapter 2: Ideal </a:t>
+            </a:r>
+            <a:r>
+              <a:rPr lang="en-GB" dirty="0" err="1"/>
+              <a:t>footpoint</a:t>
+            </a:r>
+            <a:r>
+              <a:rPr lang="en-GB" dirty="0"/>
+              <a:t> driven Alfven waves</a:t>
+            </a:r>
+          </a:p>
+        </p:txBody>
+      </p:sp>
+      <p:sp>
+        <p:nvSpPr>
+          <p:cNvPr id="3" name="Content Placeholder 2">
+            <a:extLst>
+              <a:ext uri="{FF2B5EF4-FFF2-40B4-BE49-F238E27FC236}">
+                <a16:creationId xmlns:a16="http://schemas.microsoft.com/office/drawing/2014/main" id="{03A3CFC4-5312-46DB-A820-53E83177957A}"/>
+              </a:ext>
+            </a:extLst>
+          </p:cNvPr>
+          <p:cNvSpPr>
+            <a:spLocks noGrp="1"/>
+          </p:cNvSpPr>
+          <p:nvPr>
+            <p:ph idx="1"/>
+          </p:nvPr>
+        </p:nvSpPr>
+        <p:spPr/>
+        <p:txBody>
+          <a:bodyPr/>
+          <a:lstStyle/>
+          <a:p>
+            <a:r>
+              <a:rPr lang="en-GB" dirty="0"/>
+              <a:t>The main goal here is to introduce concepts relevant for the rest of the thesis.</a:t>
+            </a:r>
+          </a:p>
+          <a:p>
+            <a:r>
+              <a:rPr lang="en-GB" dirty="0"/>
+              <a:t>Still has elements of original research. For example I am not aware of anyone using the </a:t>
+            </a:r>
+            <a:r>
+              <a:rPr lang="en-GB" dirty="0" err="1"/>
+              <a:t>D’Alambert’s</a:t>
+            </a:r>
+            <a:r>
+              <a:rPr lang="en-GB" dirty="0"/>
+              <a:t> formula.</a:t>
+            </a:r>
+          </a:p>
+          <a:p>
+            <a:r>
+              <a:rPr lang="en-GB" dirty="0"/>
+              <a:t>Useful for numerical as people often drive with a sinusoidal </a:t>
+            </a:r>
+            <a:r>
+              <a:rPr lang="en-GB" dirty="0" err="1"/>
+              <a:t>footpoint</a:t>
+            </a:r>
+            <a:r>
+              <a:rPr lang="en-GB" dirty="0"/>
+              <a:t> driver.</a:t>
+            </a:r>
+          </a:p>
+          <a:p>
+            <a:endParaRPr lang="en-GB" dirty="0"/>
+          </a:p>
+        </p:txBody>
+      </p:sp>
+    </p:spTree>
+    <p:extLst>
+      <p:ext uri="{BB962C8B-B14F-4D97-AF65-F5344CB8AC3E}">
+        <p14:creationId xmlns:p14="http://schemas.microsoft.com/office/powerpoint/2010/main" val="4020169254"/>
+      </p:ext>
+    </p:extLst>
+  </p:cSld>
+  <p:clrMapOvr>
+    <a:masterClrMapping/>
+  </p:clrMapOvr>
+</p:sld>
+</file>
+
+<file path=ppt/slides/slide6.xml><?xml version="1.0" encoding="utf-8"?>
+<p:sld xmlns:a="http://schemas.openxmlformats.org/drawingml/2006/main" xmlns:r="http://schemas.openxmlformats.org/officeDocument/2006/relationships" xmlns:p="http://schemas.openxmlformats.org/presentationml/2006/main">
+  <p:cSld>
+    <p:spTree>
+      <p:nvGrpSpPr>
+        <p:cNvPr id="1" name=""/>
+        <p:cNvGrpSpPr/>
+        <p:nvPr/>
+      </p:nvGrpSpPr>
+      <p:grpSpPr>
+        <a:xfrm>
+          <a:off x="0" y="0"/>
+          <a:ext cx="0" cy="0"/>
+          <a:chOff x="0" y="0"/>
+          <a:chExt cx="0" cy="0"/>
+        </a:xfrm>
+      </p:grpSpPr>
+      <p:sp>
+        <p:nvSpPr>
+          <p:cNvPr id="2" name="Title 1">
+            <a:extLst>
+              <a:ext uri="{FF2B5EF4-FFF2-40B4-BE49-F238E27FC236}">
                 <a16:creationId xmlns:a16="http://schemas.microsoft.com/office/drawing/2014/main" id="{D7573C90-E8AC-4F70-B63C-E9D1E07713BF}"/>
               </a:ext>
             </a:extLst>
@@ -4385,7 +5105,7 @@
 </p:sld>
 </file>
 
-<file path=ppt/slides/slide5.xml><?xml version="1.0" encoding="utf-8"?>
+<file path=ppt/slides/slide7.xml><?xml version="1.0" encoding="utf-8"?>
 <p:sld xmlns:a="http://schemas.openxmlformats.org/drawingml/2006/main" xmlns:r="http://schemas.openxmlformats.org/officeDocument/2006/relationships" xmlns:p="http://schemas.openxmlformats.org/presentationml/2006/main">
   <p:cSld>
     <p:spTree>
@@ -4543,211 +5263,6 @@
 </p:sld>
 </file>
 
-<file path=ppt/slides/slide6.xml><?xml version="1.0" encoding="utf-8"?>
-<p:sld xmlns:a="http://schemas.openxmlformats.org/drawingml/2006/main" xmlns:r="http://schemas.openxmlformats.org/officeDocument/2006/relationships" xmlns:p="http://schemas.openxmlformats.org/presentationml/2006/main">
-  <p:cSld>
-    <p:spTree>
-      <p:nvGrpSpPr>
-        <p:cNvPr id="1" name=""/>
-        <p:cNvGrpSpPr/>
-        <p:nvPr/>
-      </p:nvGrpSpPr>
-      <p:grpSpPr>
-        <a:xfrm>
-          <a:off x="0" y="0"/>
-          <a:ext cx="0" cy="0"/>
-          <a:chOff x="0" y="0"/>
-          <a:chExt cx="0" cy="0"/>
-        </a:xfrm>
-      </p:grpSpPr>
-      <p:sp>
-        <p:nvSpPr>
-          <p:cNvPr id="2" name="Title 1">
-            <a:extLst>
-              <a:ext uri="{FF2B5EF4-FFF2-40B4-BE49-F238E27FC236}">
-                <a16:creationId xmlns:a16="http://schemas.microsoft.com/office/drawing/2014/main" id="{9C34C1C7-68DD-4F1F-93EC-AB417A0E76D9}"/>
-              </a:ext>
-            </a:extLst>
-          </p:cNvPr>
-          <p:cNvSpPr>
-            <a:spLocks noGrp="1"/>
-          </p:cNvSpPr>
-          <p:nvPr>
-            <p:ph type="title"/>
-          </p:nvPr>
-        </p:nvSpPr>
-        <p:spPr/>
-        <p:txBody>
-          <a:bodyPr/>
-          <a:lstStyle/>
-          <a:p>
-            <a:r>
-              <a:rPr lang="en-GB" dirty="0"/>
-              <a:t>Closed loop: Nearly resonant</a:t>
-            </a:r>
-          </a:p>
-        </p:txBody>
-      </p:sp>
-      <p:sp>
-        <p:nvSpPr>
-          <p:cNvPr id="3" name="Content Placeholder 2">
-            <a:extLst>
-              <a:ext uri="{FF2B5EF4-FFF2-40B4-BE49-F238E27FC236}">
-                <a16:creationId xmlns:a16="http://schemas.microsoft.com/office/drawing/2014/main" id="{DCF70D87-EFF9-4924-8CD8-5078F057A1D8}"/>
-              </a:ext>
-            </a:extLst>
-          </p:cNvPr>
-          <p:cNvSpPr>
-            <a:spLocks noGrp="1"/>
-          </p:cNvSpPr>
-          <p:nvPr>
-            <p:ph idx="1"/>
-          </p:nvPr>
-        </p:nvSpPr>
-        <p:spPr/>
-        <p:txBody>
-          <a:bodyPr/>
-          <a:lstStyle/>
-          <a:p>
-            <a:r>
-              <a:rPr lang="en-GB" dirty="0"/>
-              <a:t>Amplitude given by sec(omega </a:t>
-            </a:r>
-            <a:r>
-              <a:rPr lang="en-GB" dirty="0" err="1"/>
-              <a:t>lz</a:t>
-            </a:r>
-            <a:r>
-              <a:rPr lang="en-GB" dirty="0"/>
-              <a:t> / va0)</a:t>
-            </a:r>
-          </a:p>
-          <a:p>
-            <a:r>
-              <a:rPr lang="en-GB" dirty="0"/>
-              <a:t>Beating frequency given by (omega – </a:t>
-            </a:r>
-            <a:r>
-              <a:rPr lang="en-GB" dirty="0" err="1"/>
-              <a:t>omega_n</a:t>
-            </a:r>
-            <a:r>
-              <a:rPr lang="en-GB" dirty="0"/>
-              <a:t>) / 2</a:t>
-            </a:r>
-          </a:p>
-          <a:p>
-            <a:endParaRPr lang="en-GB" dirty="0"/>
-          </a:p>
-        </p:txBody>
-      </p:sp>
-    </p:spTree>
-    <p:extLst>
-      <p:ext uri="{BB962C8B-B14F-4D97-AF65-F5344CB8AC3E}">
-        <p14:creationId xmlns:p14="http://schemas.microsoft.com/office/powerpoint/2010/main" val="3905683267"/>
-      </p:ext>
-    </p:extLst>
-  </p:cSld>
-  <p:clrMapOvr>
-    <a:masterClrMapping/>
-  </p:clrMapOvr>
-</p:sld>
-</file>
-
-<file path=ppt/slides/slide7.xml><?xml version="1.0" encoding="utf-8"?>
-<p:sld xmlns:a="http://schemas.openxmlformats.org/drawingml/2006/main" xmlns:r="http://schemas.openxmlformats.org/officeDocument/2006/relationships" xmlns:p="http://schemas.openxmlformats.org/presentationml/2006/main">
-  <p:cSld>
-    <p:spTree>
-      <p:nvGrpSpPr>
-        <p:cNvPr id="1" name=""/>
-        <p:cNvGrpSpPr/>
-        <p:nvPr/>
-      </p:nvGrpSpPr>
-      <p:grpSpPr>
-        <a:xfrm>
-          <a:off x="0" y="0"/>
-          <a:ext cx="0" cy="0"/>
-          <a:chOff x="0" y="0"/>
-          <a:chExt cx="0" cy="0"/>
-        </a:xfrm>
-      </p:grpSpPr>
-      <p:sp>
-        <p:nvSpPr>
-          <p:cNvPr id="2" name="Title 1">
-            <a:extLst>
-              <a:ext uri="{FF2B5EF4-FFF2-40B4-BE49-F238E27FC236}">
-                <a16:creationId xmlns:a16="http://schemas.microsoft.com/office/drawing/2014/main" id="{A2C17342-2AEA-459B-807B-C5843AD797C9}"/>
-              </a:ext>
-            </a:extLst>
-          </p:cNvPr>
-          <p:cNvSpPr>
-            <a:spLocks noGrp="1"/>
-          </p:cNvSpPr>
-          <p:nvPr>
-            <p:ph type="title"/>
-          </p:nvPr>
-        </p:nvSpPr>
-        <p:spPr/>
-        <p:txBody>
-          <a:bodyPr/>
-          <a:lstStyle/>
-          <a:p>
-            <a:r>
-              <a:rPr lang="en-GB" dirty="0"/>
-              <a:t>Closed loop: </a:t>
-            </a:r>
-            <a:r>
-              <a:rPr lang="en-GB" dirty="0" err="1"/>
-              <a:t>Antiresonant</a:t>
-            </a:r>
-            <a:r>
-              <a:rPr lang="en-GB" dirty="0"/>
-              <a:t> case</a:t>
-            </a:r>
-          </a:p>
-        </p:txBody>
-      </p:sp>
-      <p:sp>
-        <p:nvSpPr>
-          <p:cNvPr id="3" name="Content Placeholder 2">
-            <a:extLst>
-              <a:ext uri="{FF2B5EF4-FFF2-40B4-BE49-F238E27FC236}">
-                <a16:creationId xmlns:a16="http://schemas.microsoft.com/office/drawing/2014/main" id="{3F75A0ED-38A3-4CB8-85EF-776A76084251}"/>
-              </a:ext>
-            </a:extLst>
-          </p:cNvPr>
-          <p:cNvSpPr>
-            <a:spLocks noGrp="1"/>
-          </p:cNvSpPr>
-          <p:nvPr>
-            <p:ph idx="1"/>
-          </p:nvPr>
-        </p:nvSpPr>
-        <p:spPr/>
-        <p:txBody>
-          <a:bodyPr/>
-          <a:lstStyle/>
-          <a:p>
-            <a:r>
-              <a:rPr lang="en-GB" dirty="0"/>
-              <a:t>Interesting interference pattern</a:t>
-            </a:r>
-          </a:p>
-        </p:txBody>
-      </p:sp>
-    </p:spTree>
-    <p:extLst>
-      <p:ext uri="{BB962C8B-B14F-4D97-AF65-F5344CB8AC3E}">
-        <p14:creationId xmlns:p14="http://schemas.microsoft.com/office/powerpoint/2010/main" val="1518458976"/>
-      </p:ext>
-    </p:extLst>
-  </p:cSld>
-  <p:clrMapOvr>
-    <a:masterClrMapping/>
-  </p:clrMapOvr>
-</p:sld>
-</file>
-
 <file path=ppt/slides/slide8.xml><?xml version="1.0" encoding="utf-8"?>
 <p:sld xmlns:a="http://schemas.openxmlformats.org/drawingml/2006/main" xmlns:r="http://schemas.openxmlformats.org/officeDocument/2006/relationships" xmlns:p="http://schemas.openxmlformats.org/presentationml/2006/main">
   <p:cSld>
@@ -4770,7 +5285,7 @@
           <p:cNvPr id="2" name="Title 1">
             <a:extLst>
               <a:ext uri="{FF2B5EF4-FFF2-40B4-BE49-F238E27FC236}">
-                <a16:creationId xmlns:a16="http://schemas.microsoft.com/office/drawing/2014/main" id="{E93E65B4-66C4-43D7-AA80-4B6D4E8BB94F}"/>
+                <a16:creationId xmlns:a16="http://schemas.microsoft.com/office/drawing/2014/main" id="{9C34C1C7-68DD-4F1F-93EC-AB417A0E76D9}"/>
               </a:ext>
             </a:extLst>
           </p:cNvPr>
@@ -4788,7 +5303,7 @@
           <a:p>
             <a:r>
               <a:rPr lang="en-GB" dirty="0"/>
-              <a:t>Closed loop: broadband driver</a:t>
+              <a:t>Closed loop: Nearly resonant</a:t>
             </a:r>
           </a:p>
         </p:txBody>
@@ -4798,7 +5313,7 @@
           <p:cNvPr id="3" name="Content Placeholder 2">
             <a:extLst>
               <a:ext uri="{FF2B5EF4-FFF2-40B4-BE49-F238E27FC236}">
-                <a16:creationId xmlns:a16="http://schemas.microsoft.com/office/drawing/2014/main" id="{2F49C08A-910F-4C35-A616-6CB0ABD0A996}"/>
+                <a16:creationId xmlns:a16="http://schemas.microsoft.com/office/drawing/2014/main" id="{DCF70D87-EFF9-4924-8CD8-5078F057A1D8}"/>
               </a:ext>
             </a:extLst>
           </p:cNvPr>
@@ -4816,27 +5331,134 @@
           <a:p>
             <a:r>
               <a:rPr lang="en-GB" dirty="0"/>
-              <a:t>Goal here is to tie the results to observations.</a:t>
-            </a:r>
-          </a:p>
-          <a:p>
+              <a:t>Amplitude given by sec(omega </a:t>
+            </a:r>
+            <a:r>
+              <a:rPr lang="en-GB" dirty="0" err="1"/>
+              <a:t>lz</a:t>
+            </a:r>
             <a:r>
               <a:rPr lang="en-GB" dirty="0"/>
-              <a:t>Will the energy of a randomly driven loop grow to infinity or oscillate about a finite value?</a:t>
+              <a:t> / va0)</a:t>
             </a:r>
           </a:p>
           <a:p>
             <a:r>
               <a:rPr lang="en-GB" dirty="0"/>
-              <a:t>Check white noise result agrees with Fourier result.</a:t>
-            </a:r>
+              <a:t>Beating frequency given by (omega – </a:t>
+            </a:r>
+            <a:r>
+              <a:rPr lang="en-GB" dirty="0" err="1"/>
+              <a:t>omega_n</a:t>
+            </a:r>
+            <a:r>
+              <a:rPr lang="en-GB" dirty="0"/>
+              <a:t>) / 2</a:t>
+            </a:r>
+          </a:p>
+          <a:p>
+            <a:endParaRPr lang="en-GB" dirty="0"/>
           </a:p>
         </p:txBody>
       </p:sp>
     </p:spTree>
     <p:extLst>
       <p:ext uri="{BB962C8B-B14F-4D97-AF65-F5344CB8AC3E}">
-        <p14:creationId xmlns:p14="http://schemas.microsoft.com/office/powerpoint/2010/main" val="1581023814"/>
+        <p14:creationId xmlns:p14="http://schemas.microsoft.com/office/powerpoint/2010/main" val="3905683267"/>
+      </p:ext>
+    </p:extLst>
+  </p:cSld>
+  <p:clrMapOvr>
+    <a:masterClrMapping/>
+  </p:clrMapOvr>
+</p:sld>
+</file>
+
+<file path=ppt/slides/slide9.xml><?xml version="1.0" encoding="utf-8"?>
+<p:sld xmlns:a="http://schemas.openxmlformats.org/drawingml/2006/main" xmlns:r="http://schemas.openxmlformats.org/officeDocument/2006/relationships" xmlns:p="http://schemas.openxmlformats.org/presentationml/2006/main">
+  <p:cSld>
+    <p:spTree>
+      <p:nvGrpSpPr>
+        <p:cNvPr id="1" name=""/>
+        <p:cNvGrpSpPr/>
+        <p:nvPr/>
+      </p:nvGrpSpPr>
+      <p:grpSpPr>
+        <a:xfrm>
+          <a:off x="0" y="0"/>
+          <a:ext cx="0" cy="0"/>
+          <a:chOff x="0" y="0"/>
+          <a:chExt cx="0" cy="0"/>
+        </a:xfrm>
+      </p:grpSpPr>
+      <p:sp>
+        <p:nvSpPr>
+          <p:cNvPr id="2" name="Title 1">
+            <a:extLst>
+              <a:ext uri="{FF2B5EF4-FFF2-40B4-BE49-F238E27FC236}">
+                <a16:creationId xmlns:a16="http://schemas.microsoft.com/office/drawing/2014/main" id="{A2C17342-2AEA-459B-807B-C5843AD797C9}"/>
+              </a:ext>
+            </a:extLst>
+          </p:cNvPr>
+          <p:cNvSpPr>
+            <a:spLocks noGrp="1"/>
+          </p:cNvSpPr>
+          <p:nvPr>
+            <p:ph type="title"/>
+          </p:nvPr>
+        </p:nvSpPr>
+        <p:spPr/>
+        <p:txBody>
+          <a:bodyPr/>
+          <a:lstStyle/>
+          <a:p>
+            <a:r>
+              <a:rPr lang="en-GB" dirty="0"/>
+              <a:t>Closed loop: </a:t>
+            </a:r>
+            <a:r>
+              <a:rPr lang="en-GB" dirty="0" err="1"/>
+              <a:t>Antiresonant</a:t>
+            </a:r>
+            <a:r>
+              <a:rPr lang="en-GB" dirty="0"/>
+              <a:t> case</a:t>
+            </a:r>
+          </a:p>
+        </p:txBody>
+      </p:sp>
+      <p:sp>
+        <p:nvSpPr>
+          <p:cNvPr id="3" name="Content Placeholder 2">
+            <a:extLst>
+              <a:ext uri="{FF2B5EF4-FFF2-40B4-BE49-F238E27FC236}">
+                <a16:creationId xmlns:a16="http://schemas.microsoft.com/office/drawing/2014/main" id="{3F75A0ED-38A3-4CB8-85EF-776A76084251}"/>
+              </a:ext>
+            </a:extLst>
+          </p:cNvPr>
+          <p:cNvSpPr>
+            <a:spLocks noGrp="1"/>
+          </p:cNvSpPr>
+          <p:nvPr>
+            <p:ph idx="1"/>
+          </p:nvPr>
+        </p:nvSpPr>
+        <p:spPr/>
+        <p:txBody>
+          <a:bodyPr/>
+          <a:lstStyle/>
+          <a:p>
+            <a:r>
+              <a:rPr lang="en-GB" dirty="0"/>
+              <a:t>Interesting interference pattern</a:t>
+            </a:r>
+          </a:p>
+        </p:txBody>
+      </p:sp>
+    </p:spTree>
+    <p:extLst>
+      <p:ext uri="{BB962C8B-B14F-4D97-AF65-F5344CB8AC3E}">
+        <p14:creationId xmlns:p14="http://schemas.microsoft.com/office/powerpoint/2010/main" val="1518458976"/>
       </p:ext>
     </p:extLst>
   </p:cSld>

--- a/Presentation/thesis_overview.pptx
+++ b/Presentation/thesis_overview.pptx
@@ -5,7 +5,7 @@
     <p:sldMasterId id="2147483648" r:id="rId1"/>
   </p:sldMasterIdLst>
   <p:notesMasterIdLst>
-    <p:notesMasterId r:id="rId17"/>
+    <p:notesMasterId r:id="rId18"/>
   </p:notesMasterIdLst>
   <p:sldIdLst>
     <p:sldId id="256" r:id="rId2"/>
@@ -13,16 +13,17 @@
     <p:sldId id="269" r:id="rId4"/>
     <p:sldId id="258" r:id="rId5"/>
     <p:sldId id="257" r:id="rId6"/>
-    <p:sldId id="260" r:id="rId7"/>
-    <p:sldId id="259" r:id="rId8"/>
-    <p:sldId id="261" r:id="rId9"/>
-    <p:sldId id="262" r:id="rId10"/>
-    <p:sldId id="263" r:id="rId11"/>
-    <p:sldId id="264" r:id="rId12"/>
-    <p:sldId id="265" r:id="rId13"/>
-    <p:sldId id="266" r:id="rId14"/>
-    <p:sldId id="267" r:id="rId15"/>
-    <p:sldId id="268" r:id="rId16"/>
+    <p:sldId id="271" r:id="rId7"/>
+    <p:sldId id="260" r:id="rId8"/>
+    <p:sldId id="259" r:id="rId9"/>
+    <p:sldId id="261" r:id="rId10"/>
+    <p:sldId id="262" r:id="rId11"/>
+    <p:sldId id="263" r:id="rId12"/>
+    <p:sldId id="264" r:id="rId13"/>
+    <p:sldId id="265" r:id="rId14"/>
+    <p:sldId id="266" r:id="rId15"/>
+    <p:sldId id="267" r:id="rId16"/>
+    <p:sldId id="268" r:id="rId17"/>
   </p:sldIdLst>
   <p:sldSz cx="12192000" cy="6858000"/>
   <p:notesSz cx="6858000" cy="9144000"/>
@@ -524,31 +525,10 @@
           <a:lstStyle/>
           <a:p>
             <a:r>
-              <a:rPr lang="en-GB" dirty="0"/>
-              <a:t>The main points I was trying to get across here is that at the resonant frequencies the energy grows linearly with time.</a:t>
-            </a:r>
-          </a:p>
-          <a:p>
-            <a:r>
-              <a:rPr lang="en-GB" dirty="0"/>
-              <a:t>I also showed these graphs because I think they clearly illustrate the difference between a slow driver where the driving frequency is lower than </a:t>
-            </a:r>
-            <a:r>
-              <a:rPr lang="en-GB" dirty="0" err="1"/>
-              <a:t>than</a:t>
-            </a:r>
-            <a:r>
-              <a:rPr lang="en-GB" dirty="0"/>
-              <a:t> the fundamental frequency of the field line and there the driver </a:t>
-            </a:r>
-            <a:r>
-              <a:rPr lang="en-GB" dirty="0" err="1"/>
-              <a:t>freuqncy</a:t>
-            </a:r>
-            <a:r>
-              <a:rPr lang="en-GB" dirty="0"/>
-              <a:t> is greater than or equal to the </a:t>
-            </a:r>
+              <a:rPr lang="en-GB"/>
+              <a:t>The </a:t>
+            </a:r>
+            <a:endParaRPr lang="en-GB" dirty="0"/>
           </a:p>
         </p:txBody>
       </p:sp>
@@ -569,7 +549,7 @@
           <a:p>
             <a:fld id="{FF8E2075-CA56-421E-B5CA-3A21695CDA2C}" type="slidenum">
               <a:rPr lang="en-GB" smtClean="0"/>
-              <a:t>7</a:t>
+              <a:t>6</a:t>
             </a:fld>
             <a:endParaRPr lang="en-GB"/>
           </a:p>
@@ -578,7 +558,7 @@
     </p:spTree>
     <p:extLst>
       <p:ext uri="{BB962C8B-B14F-4D97-AF65-F5344CB8AC3E}">
-        <p14:creationId xmlns:p14="http://schemas.microsoft.com/office/powerpoint/2010/main" val="882671541"/>
+        <p14:creationId xmlns:p14="http://schemas.microsoft.com/office/powerpoint/2010/main" val="956151853"/>
       </p:ext>
     </p:extLst>
   </p:cSld>
@@ -632,7 +612,32 @@
           <a:bodyPr/>
           <a:lstStyle/>
           <a:p>
-            <a:endParaRPr lang="en-GB" dirty="0"/>
+            <a:r>
+              <a:rPr lang="en-GB" dirty="0"/>
+              <a:t>The main points I was trying to get across here is that at the resonant frequencies the energy grows linearly with time.</a:t>
+            </a:r>
+          </a:p>
+          <a:p>
+            <a:r>
+              <a:rPr lang="en-GB" dirty="0"/>
+              <a:t>I also showed these graphs because I think they clearly illustrate the difference between a slow driver where the driving frequency is lower than </a:t>
+            </a:r>
+            <a:r>
+              <a:rPr lang="en-GB" dirty="0" err="1"/>
+              <a:t>than</a:t>
+            </a:r>
+            <a:r>
+              <a:rPr lang="en-GB" dirty="0"/>
+              <a:t> the fundamental frequency of the field line and there the driver </a:t>
+            </a:r>
+            <a:r>
+              <a:rPr lang="en-GB" dirty="0" err="1"/>
+              <a:t>freuqncy</a:t>
+            </a:r>
+            <a:r>
+              <a:rPr lang="en-GB" dirty="0"/>
+              <a:t> is greater than or equal to the </a:t>
+            </a:r>
           </a:p>
         </p:txBody>
       </p:sp>
@@ -653,7 +658,7 @@
           <a:p>
             <a:fld id="{FF8E2075-CA56-421E-B5CA-3A21695CDA2C}" type="slidenum">
               <a:rPr lang="en-GB" smtClean="0"/>
-              <a:t>9</a:t>
+              <a:t>8</a:t>
             </a:fld>
             <a:endParaRPr lang="en-GB"/>
           </a:p>
@@ -662,7 +667,7 @@
     </p:spTree>
     <p:extLst>
       <p:ext uri="{BB962C8B-B14F-4D97-AF65-F5344CB8AC3E}">
-        <p14:creationId xmlns:p14="http://schemas.microsoft.com/office/powerpoint/2010/main" val="4281811950"/>
+        <p14:creationId xmlns:p14="http://schemas.microsoft.com/office/powerpoint/2010/main" val="882671541"/>
       </p:ext>
     </p:extLst>
   </p:cSld>
@@ -716,7 +721,7 @@
           <a:bodyPr/>
           <a:lstStyle/>
           <a:p>
-            <a:endParaRPr lang="en-GB"/>
+            <a:endParaRPr lang="en-GB" dirty="0"/>
           </a:p>
         </p:txBody>
       </p:sp>
@@ -738,6 +743,90 @@
             <a:fld id="{FF8E2075-CA56-421E-B5CA-3A21695CDA2C}" type="slidenum">
               <a:rPr lang="en-GB" smtClean="0"/>
               <a:t>10</a:t>
+            </a:fld>
+            <a:endParaRPr lang="en-GB"/>
+          </a:p>
+        </p:txBody>
+      </p:sp>
+    </p:spTree>
+    <p:extLst>
+      <p:ext uri="{BB962C8B-B14F-4D97-AF65-F5344CB8AC3E}">
+        <p14:creationId xmlns:p14="http://schemas.microsoft.com/office/powerpoint/2010/main" val="4281811950"/>
+      </p:ext>
+    </p:extLst>
+  </p:cSld>
+  <p:clrMapOvr>
+    <a:masterClrMapping/>
+  </p:clrMapOvr>
+</p:notes>
+</file>
+
+<file path=ppt/notesSlides/notesSlide4.xml><?xml version="1.0" encoding="utf-8"?>
+<p:notes xmlns:a="http://schemas.openxmlformats.org/drawingml/2006/main" xmlns:r="http://schemas.openxmlformats.org/officeDocument/2006/relationships" xmlns:p="http://schemas.openxmlformats.org/presentationml/2006/main">
+  <p:cSld>
+    <p:spTree>
+      <p:nvGrpSpPr>
+        <p:cNvPr id="1" name=""/>
+        <p:cNvGrpSpPr/>
+        <p:nvPr/>
+      </p:nvGrpSpPr>
+      <p:grpSpPr>
+        <a:xfrm>
+          <a:off x="0" y="0"/>
+          <a:ext cx="0" cy="0"/>
+          <a:chOff x="0" y="0"/>
+          <a:chExt cx="0" cy="0"/>
+        </a:xfrm>
+      </p:grpSpPr>
+      <p:sp>
+        <p:nvSpPr>
+          <p:cNvPr id="2" name="Slide Image Placeholder 1"/>
+          <p:cNvSpPr>
+            <a:spLocks noGrp="1" noRot="1" noChangeAspect="1"/>
+          </p:cNvSpPr>
+          <p:nvPr>
+            <p:ph type="sldImg"/>
+          </p:nvPr>
+        </p:nvSpPr>
+        <p:spPr/>
+      </p:sp>
+      <p:sp>
+        <p:nvSpPr>
+          <p:cNvPr id="3" name="Notes Placeholder 2"/>
+          <p:cNvSpPr>
+            <a:spLocks noGrp="1"/>
+          </p:cNvSpPr>
+          <p:nvPr>
+            <p:ph type="body" idx="1"/>
+          </p:nvPr>
+        </p:nvSpPr>
+        <p:spPr/>
+        <p:txBody>
+          <a:bodyPr/>
+          <a:lstStyle/>
+          <a:p>
+            <a:endParaRPr lang="en-GB"/>
+          </a:p>
+        </p:txBody>
+      </p:sp>
+      <p:sp>
+        <p:nvSpPr>
+          <p:cNvPr id="4" name="Slide Number Placeholder 3"/>
+          <p:cNvSpPr>
+            <a:spLocks noGrp="1"/>
+          </p:cNvSpPr>
+          <p:nvPr>
+            <p:ph type="sldNum" sz="quarter" idx="5"/>
+          </p:nvPr>
+        </p:nvSpPr>
+        <p:spPr/>
+        <p:txBody>
+          <a:bodyPr/>
+          <a:lstStyle/>
+          <a:p>
+            <a:fld id="{FF8E2075-CA56-421E-B5CA-3A21695CDA2C}" type="slidenum">
+              <a:rPr lang="en-GB" smtClean="0"/>
+              <a:t>11</a:t>
             </a:fld>
             <a:endParaRPr lang="en-GB"/>
           </a:p>
@@ -4082,7 +4171,7 @@
           <p:cNvPr id="2" name="Title 1">
             <a:extLst>
               <a:ext uri="{FF2B5EF4-FFF2-40B4-BE49-F238E27FC236}">
-                <a16:creationId xmlns:a16="http://schemas.microsoft.com/office/drawing/2014/main" id="{E93E65B4-66C4-43D7-AA80-4B6D4E8BB94F}"/>
+                <a16:creationId xmlns:a16="http://schemas.microsoft.com/office/drawing/2014/main" id="{A2C17342-2AEA-459B-807B-C5843AD797C9}"/>
               </a:ext>
             </a:extLst>
           </p:cNvPr>
@@ -4100,7 +4189,15 @@
           <a:p>
             <a:r>
               <a:rPr lang="en-GB" dirty="0"/>
-              <a:t>Closed loop: broadband driver</a:t>
+              <a:t>Closed loop: </a:t>
+            </a:r>
+            <a:r>
+              <a:rPr lang="en-GB" dirty="0" err="1"/>
+              <a:t>Antiresonant</a:t>
+            </a:r>
+            <a:r>
+              <a:rPr lang="en-GB" dirty="0"/>
+              <a:t> case</a:t>
             </a:r>
           </a:p>
         </p:txBody>
@@ -4110,7 +4207,7 @@
           <p:cNvPr id="3" name="Content Placeholder 2">
             <a:extLst>
               <a:ext uri="{FF2B5EF4-FFF2-40B4-BE49-F238E27FC236}">
-                <a16:creationId xmlns:a16="http://schemas.microsoft.com/office/drawing/2014/main" id="{2F49C08A-910F-4C35-A616-6CB0ABD0A996}"/>
+                <a16:creationId xmlns:a16="http://schemas.microsoft.com/office/drawing/2014/main" id="{3F75A0ED-38A3-4CB8-85EF-776A76084251}"/>
               </a:ext>
             </a:extLst>
           </p:cNvPr>
@@ -4128,31 +4225,7 @@
           <a:p>
             <a:r>
               <a:rPr lang="en-GB" dirty="0"/>
-              <a:t>Goal here is to tie the results to observations.</a:t>
-            </a:r>
-          </a:p>
-          <a:p>
-            <a:r>
-              <a:rPr lang="en-GB" dirty="0"/>
-              <a:t>Will the energy of a randomly driven loop grow to infinity or oscillate about a finite value?</a:t>
-            </a:r>
-          </a:p>
-          <a:p>
-            <a:r>
-              <a:rPr lang="en-GB" dirty="0"/>
-              <a:t>Check white noise result agrees with Fourier result.</a:t>
-            </a:r>
-          </a:p>
-          <a:p>
-            <a:r>
-              <a:rPr lang="en-GB" dirty="0"/>
-              <a:t>The most natural way to do this gives you a Langevin equation.</a:t>
-            </a:r>
-          </a:p>
-          <a:p>
-            <a:r>
-              <a:rPr lang="en-GB" dirty="0"/>
-              <a:t>The Langevin equation with white noise we can calculate a nice analytic solution precisely. However, it quite confusing because we have a white noise force that excites all frequencies equally.</a:t>
+              <a:t>Interesting interference pattern</a:t>
             </a:r>
           </a:p>
         </p:txBody>
@@ -4160,7 +4233,7 @@
     </p:spTree>
     <p:extLst>
       <p:ext uri="{BB962C8B-B14F-4D97-AF65-F5344CB8AC3E}">
-        <p14:creationId xmlns:p14="http://schemas.microsoft.com/office/powerpoint/2010/main" val="1581023814"/>
+        <p14:creationId xmlns:p14="http://schemas.microsoft.com/office/powerpoint/2010/main" val="1518458976"/>
       </p:ext>
     </p:extLst>
   </p:cSld>
@@ -4192,7 +4265,7 @@
           <p:cNvPr id="2" name="Title 1">
             <a:extLst>
               <a:ext uri="{FF2B5EF4-FFF2-40B4-BE49-F238E27FC236}">
-                <a16:creationId xmlns:a16="http://schemas.microsoft.com/office/drawing/2014/main" id="{27682492-694F-4F72-9E33-7E5847FD52BB}"/>
+                <a16:creationId xmlns:a16="http://schemas.microsoft.com/office/drawing/2014/main" id="{E93E65B4-66C4-43D7-AA80-4B6D4E8BB94F}"/>
               </a:ext>
             </a:extLst>
           </p:cNvPr>
@@ -4210,13 +4283,8 @@
           <a:p>
             <a:r>
               <a:rPr lang="en-GB" dirty="0"/>
-              <a:t>Leaky loop: reflection </a:t>
-            </a:r>
-            <a:r>
-              <a:rPr lang="en-GB" dirty="0" err="1"/>
-              <a:t>coefficent</a:t>
-            </a:r>
-            <a:endParaRPr lang="en-GB" dirty="0"/>
+              <a:t>Closed loop: broadband driver</a:t>
+            </a:r>
           </a:p>
         </p:txBody>
       </p:sp>
@@ -4225,7 +4293,7 @@
           <p:cNvPr id="3" name="Content Placeholder 2">
             <a:extLst>
               <a:ext uri="{FF2B5EF4-FFF2-40B4-BE49-F238E27FC236}">
-                <a16:creationId xmlns:a16="http://schemas.microsoft.com/office/drawing/2014/main" id="{C8A3E78C-C32F-443B-9219-016BD8B1097E}"/>
+                <a16:creationId xmlns:a16="http://schemas.microsoft.com/office/drawing/2014/main" id="{2F49C08A-910F-4C35-A616-6CB0ABD0A996}"/>
               </a:ext>
             </a:extLst>
           </p:cNvPr>
@@ -4241,14 +4309,41 @@
           <a:bodyPr/>
           <a:lstStyle/>
           <a:p>
-            <a:endParaRPr lang="en-GB"/>
+            <a:r>
+              <a:rPr lang="en-GB" dirty="0"/>
+              <a:t>Goal here is to tie the results to observations.</a:t>
+            </a:r>
+          </a:p>
+          <a:p>
+            <a:r>
+              <a:rPr lang="en-GB" dirty="0"/>
+              <a:t>Will the energy of a randomly driven loop grow to infinity or oscillate about a finite value?</a:t>
+            </a:r>
+          </a:p>
+          <a:p>
+            <a:r>
+              <a:rPr lang="en-GB" dirty="0"/>
+              <a:t>Check white noise result agrees with Fourier result.</a:t>
+            </a:r>
+          </a:p>
+          <a:p>
+            <a:r>
+              <a:rPr lang="en-GB" dirty="0"/>
+              <a:t>The most natural way to do this gives you a Langevin equation.</a:t>
+            </a:r>
+          </a:p>
+          <a:p>
+            <a:r>
+              <a:rPr lang="en-GB" dirty="0"/>
+              <a:t>The Langevin equation with white noise we can calculate a nice analytic solution precisely. However, it quite confusing because we have a white noise force that excites all frequencies equally.</a:t>
+            </a:r>
           </a:p>
         </p:txBody>
       </p:sp>
     </p:spTree>
     <p:extLst>
       <p:ext uri="{BB962C8B-B14F-4D97-AF65-F5344CB8AC3E}">
-        <p14:creationId xmlns:p14="http://schemas.microsoft.com/office/powerpoint/2010/main" val="3840959430"/>
+        <p14:creationId xmlns:p14="http://schemas.microsoft.com/office/powerpoint/2010/main" val="1581023814"/>
       </p:ext>
     </p:extLst>
   </p:cSld>
@@ -4280,7 +4375,7 @@
           <p:cNvPr id="2" name="Title 1">
             <a:extLst>
               <a:ext uri="{FF2B5EF4-FFF2-40B4-BE49-F238E27FC236}">
-                <a16:creationId xmlns:a16="http://schemas.microsoft.com/office/drawing/2014/main" id="{082022AB-05D7-4F6E-B59D-38080D1981D1}"/>
+                <a16:creationId xmlns:a16="http://schemas.microsoft.com/office/drawing/2014/main" id="{27682492-694F-4F72-9E33-7E5847FD52BB}"/>
               </a:ext>
             </a:extLst>
           </p:cNvPr>
@@ -4298,8 +4393,13 @@
           <a:p>
             <a:r>
               <a:rPr lang="en-GB" dirty="0"/>
-              <a:t>Leaky loop: general solution</a:t>
-            </a:r>
+              <a:t>Leaky loop: reflection </a:t>
+            </a:r>
+            <a:r>
+              <a:rPr lang="en-GB" dirty="0" err="1"/>
+              <a:t>coefficent</a:t>
+            </a:r>
+            <a:endParaRPr lang="en-GB" dirty="0"/>
           </a:p>
         </p:txBody>
       </p:sp>
@@ -4308,7 +4408,7 @@
           <p:cNvPr id="3" name="Content Placeholder 2">
             <a:extLst>
               <a:ext uri="{FF2B5EF4-FFF2-40B4-BE49-F238E27FC236}">
-                <a16:creationId xmlns:a16="http://schemas.microsoft.com/office/drawing/2014/main" id="{4AAB7F08-2F02-46AF-A18C-0D026730BECC}"/>
+                <a16:creationId xmlns:a16="http://schemas.microsoft.com/office/drawing/2014/main" id="{C8A3E78C-C32F-443B-9219-016BD8B1097E}"/>
               </a:ext>
             </a:extLst>
           </p:cNvPr>
@@ -4331,7 +4431,7 @@
     </p:spTree>
     <p:extLst>
       <p:ext uri="{BB962C8B-B14F-4D97-AF65-F5344CB8AC3E}">
-        <p14:creationId xmlns:p14="http://schemas.microsoft.com/office/powerpoint/2010/main" val="37731531"/>
+        <p14:creationId xmlns:p14="http://schemas.microsoft.com/office/powerpoint/2010/main" val="3840959430"/>
       </p:ext>
     </p:extLst>
   </p:cSld>
@@ -4363,7 +4463,7 @@
           <p:cNvPr id="2" name="Title 1">
             <a:extLst>
               <a:ext uri="{FF2B5EF4-FFF2-40B4-BE49-F238E27FC236}">
-                <a16:creationId xmlns:a16="http://schemas.microsoft.com/office/drawing/2014/main" id="{EBCAFC79-E6FB-427F-9D4F-0AC185C77DFF}"/>
+                <a16:creationId xmlns:a16="http://schemas.microsoft.com/office/drawing/2014/main" id="{082022AB-05D7-4F6E-B59D-38080D1981D1}"/>
               </a:ext>
             </a:extLst>
           </p:cNvPr>
@@ -4381,7 +4481,7 @@
           <a:p>
             <a:r>
               <a:rPr lang="en-GB" dirty="0"/>
-              <a:t>Leaky loop: steady state solution</a:t>
+              <a:t>Leaky loop: general solution</a:t>
             </a:r>
           </a:p>
         </p:txBody>
@@ -4391,7 +4491,7 @@
           <p:cNvPr id="3" name="Content Placeholder 2">
             <a:extLst>
               <a:ext uri="{FF2B5EF4-FFF2-40B4-BE49-F238E27FC236}">
-                <a16:creationId xmlns:a16="http://schemas.microsoft.com/office/drawing/2014/main" id="{D8076796-C062-4872-95B4-7821AF673BEA}"/>
+                <a16:creationId xmlns:a16="http://schemas.microsoft.com/office/drawing/2014/main" id="{4AAB7F08-2F02-46AF-A18C-0D026730BECC}"/>
               </a:ext>
             </a:extLst>
           </p:cNvPr>
@@ -4414,7 +4514,7 @@
     </p:spTree>
     <p:extLst>
       <p:ext uri="{BB962C8B-B14F-4D97-AF65-F5344CB8AC3E}">
-        <p14:creationId xmlns:p14="http://schemas.microsoft.com/office/powerpoint/2010/main" val="518936239"/>
+        <p14:creationId xmlns:p14="http://schemas.microsoft.com/office/powerpoint/2010/main" val="37731531"/>
       </p:ext>
     </p:extLst>
   </p:cSld>
@@ -4446,6 +4546,89 @@
           <p:cNvPr id="2" name="Title 1">
             <a:extLst>
               <a:ext uri="{FF2B5EF4-FFF2-40B4-BE49-F238E27FC236}">
+                <a16:creationId xmlns:a16="http://schemas.microsoft.com/office/drawing/2014/main" id="{EBCAFC79-E6FB-427F-9D4F-0AC185C77DFF}"/>
+              </a:ext>
+            </a:extLst>
+          </p:cNvPr>
+          <p:cNvSpPr>
+            <a:spLocks noGrp="1"/>
+          </p:cNvSpPr>
+          <p:nvPr>
+            <p:ph type="title"/>
+          </p:nvPr>
+        </p:nvSpPr>
+        <p:spPr/>
+        <p:txBody>
+          <a:bodyPr/>
+          <a:lstStyle/>
+          <a:p>
+            <a:r>
+              <a:rPr lang="en-GB" dirty="0"/>
+              <a:t>Leaky loop: steady state solution</a:t>
+            </a:r>
+          </a:p>
+        </p:txBody>
+      </p:sp>
+      <p:sp>
+        <p:nvSpPr>
+          <p:cNvPr id="3" name="Content Placeholder 2">
+            <a:extLst>
+              <a:ext uri="{FF2B5EF4-FFF2-40B4-BE49-F238E27FC236}">
+                <a16:creationId xmlns:a16="http://schemas.microsoft.com/office/drawing/2014/main" id="{D8076796-C062-4872-95B4-7821AF673BEA}"/>
+              </a:ext>
+            </a:extLst>
+          </p:cNvPr>
+          <p:cNvSpPr>
+            <a:spLocks noGrp="1"/>
+          </p:cNvSpPr>
+          <p:nvPr>
+            <p:ph idx="1"/>
+          </p:nvPr>
+        </p:nvSpPr>
+        <p:spPr/>
+        <p:txBody>
+          <a:bodyPr/>
+          <a:lstStyle/>
+          <a:p>
+            <a:endParaRPr lang="en-GB"/>
+          </a:p>
+        </p:txBody>
+      </p:sp>
+    </p:spTree>
+    <p:extLst>
+      <p:ext uri="{BB962C8B-B14F-4D97-AF65-F5344CB8AC3E}">
+        <p14:creationId xmlns:p14="http://schemas.microsoft.com/office/powerpoint/2010/main" val="518936239"/>
+      </p:ext>
+    </p:extLst>
+  </p:cSld>
+  <p:clrMapOvr>
+    <a:masterClrMapping/>
+  </p:clrMapOvr>
+</p:sld>
+</file>
+
+<file path=ppt/slides/slide15.xml><?xml version="1.0" encoding="utf-8"?>
+<p:sld xmlns:a="http://schemas.openxmlformats.org/drawingml/2006/main" xmlns:r="http://schemas.openxmlformats.org/officeDocument/2006/relationships" xmlns:p="http://schemas.openxmlformats.org/presentationml/2006/main">
+  <p:cSld>
+    <p:spTree>
+      <p:nvGrpSpPr>
+        <p:cNvPr id="1" name=""/>
+        <p:cNvGrpSpPr/>
+        <p:nvPr/>
+      </p:nvGrpSpPr>
+      <p:grpSpPr>
+        <a:xfrm>
+          <a:off x="0" y="0"/>
+          <a:ext cx="0" cy="0"/>
+          <a:chOff x="0" y="0"/>
+          <a:chExt cx="0" cy="0"/>
+        </a:xfrm>
+      </p:grpSpPr>
+      <p:sp>
+        <p:nvSpPr>
+          <p:cNvPr id="2" name="Title 1">
+            <a:extLst>
+              <a:ext uri="{FF2B5EF4-FFF2-40B4-BE49-F238E27FC236}">
                 <a16:creationId xmlns:a16="http://schemas.microsoft.com/office/drawing/2014/main" id="{FD329230-F992-4F9B-982B-40B313E61947}"/>
               </a:ext>
             </a:extLst>
@@ -4524,7 +4707,7 @@
 </p:sld>
 </file>
 
-<file path=ppt/slides/slide15.xml><?xml version="1.0" encoding="utf-8"?>
+<file path=ppt/slides/slide16.xml><?xml version="1.0" encoding="utf-8"?>
 <p:sld xmlns:a="http://schemas.openxmlformats.org/drawingml/2006/main" xmlns:r="http://schemas.openxmlformats.org/officeDocument/2006/relationships" xmlns:p="http://schemas.openxmlformats.org/presentationml/2006/main">
   <p:cSld>
     <p:spTree>
@@ -5030,6 +5213,131 @@
           <p:cNvPr id="2" name="Title 1">
             <a:extLst>
               <a:ext uri="{FF2B5EF4-FFF2-40B4-BE49-F238E27FC236}">
+                <a16:creationId xmlns:a16="http://schemas.microsoft.com/office/drawing/2014/main" id="{E2F8EC9B-CA0F-4853-89CF-EFDF04686291}"/>
+              </a:ext>
+            </a:extLst>
+          </p:cNvPr>
+          <p:cNvSpPr>
+            <a:spLocks noGrp="1"/>
+          </p:cNvSpPr>
+          <p:nvPr>
+            <p:ph type="title"/>
+          </p:nvPr>
+        </p:nvSpPr>
+        <p:spPr/>
+        <p:txBody>
+          <a:bodyPr/>
+          <a:lstStyle/>
+          <a:p>
+            <a:r>
+              <a:rPr lang="en-GB" dirty="0"/>
+              <a:t>Chapter 2: Ideal </a:t>
+            </a:r>
+            <a:r>
+              <a:rPr lang="en-GB" dirty="0" err="1"/>
+              <a:t>footpoint</a:t>
+            </a:r>
+            <a:r>
+              <a:rPr lang="en-GB" dirty="0"/>
+              <a:t> driven Alfven waves</a:t>
+            </a:r>
+          </a:p>
+        </p:txBody>
+      </p:sp>
+      <p:sp>
+        <p:nvSpPr>
+          <p:cNvPr id="3" name="Content Placeholder 2">
+            <a:extLst>
+              <a:ext uri="{FF2B5EF4-FFF2-40B4-BE49-F238E27FC236}">
+                <a16:creationId xmlns:a16="http://schemas.microsoft.com/office/drawing/2014/main" id="{03A3CFC4-5312-46DB-A820-53E83177957A}"/>
+              </a:ext>
+            </a:extLst>
+          </p:cNvPr>
+          <p:cNvSpPr>
+            <a:spLocks noGrp="1"/>
+          </p:cNvSpPr>
+          <p:nvPr>
+            <p:ph idx="1"/>
+          </p:nvPr>
+        </p:nvSpPr>
+        <p:spPr/>
+        <p:txBody>
+          <a:bodyPr/>
+          <a:lstStyle/>
+          <a:p>
+            <a:r>
+              <a:rPr lang="en-GB" dirty="0"/>
+              <a:t>Aim 1: </a:t>
+            </a:r>
+          </a:p>
+          <a:p>
+            <a:r>
+              <a:rPr lang="en-GB" dirty="0"/>
+              <a:t>Still has elements of original research. For example I am not aware of anyone using the </a:t>
+            </a:r>
+            <a:r>
+              <a:rPr lang="en-GB" dirty="0" err="1"/>
+              <a:t>D’Alambert’s</a:t>
+            </a:r>
+            <a:r>
+              <a:rPr lang="en-GB" dirty="0"/>
+              <a:t> formula.</a:t>
+            </a:r>
+          </a:p>
+          <a:p>
+            <a:r>
+              <a:rPr lang="en-GB" dirty="0"/>
+              <a:t>Useful for numerical as people often drive with a sinusoidal </a:t>
+            </a:r>
+            <a:r>
+              <a:rPr lang="en-GB" dirty="0" err="1"/>
+              <a:t>footpoint</a:t>
+            </a:r>
+            <a:r>
+              <a:rPr lang="en-GB" dirty="0"/>
+              <a:t> driver.</a:t>
+            </a:r>
+          </a:p>
+          <a:p>
+            <a:endParaRPr lang="en-GB" dirty="0"/>
+          </a:p>
+        </p:txBody>
+      </p:sp>
+    </p:spTree>
+    <p:extLst>
+      <p:ext uri="{BB962C8B-B14F-4D97-AF65-F5344CB8AC3E}">
+        <p14:creationId xmlns:p14="http://schemas.microsoft.com/office/powerpoint/2010/main" val="1875298133"/>
+      </p:ext>
+    </p:extLst>
+  </p:cSld>
+  <p:clrMapOvr>
+    <a:masterClrMapping/>
+  </p:clrMapOvr>
+</p:sld>
+</file>
+
+<file path=ppt/slides/slide7.xml><?xml version="1.0" encoding="utf-8"?>
+<p:sld xmlns:a="http://schemas.openxmlformats.org/drawingml/2006/main" xmlns:r="http://schemas.openxmlformats.org/officeDocument/2006/relationships" xmlns:p="http://schemas.openxmlformats.org/presentationml/2006/main">
+  <p:cSld>
+    <p:spTree>
+      <p:nvGrpSpPr>
+        <p:cNvPr id="1" name=""/>
+        <p:cNvGrpSpPr/>
+        <p:nvPr/>
+      </p:nvGrpSpPr>
+      <p:grpSpPr>
+        <a:xfrm>
+          <a:off x="0" y="0"/>
+          <a:ext cx="0" cy="0"/>
+          <a:chOff x="0" y="0"/>
+          <a:chExt cx="0" cy="0"/>
+        </a:xfrm>
+      </p:grpSpPr>
+      <p:sp>
+        <p:nvSpPr>
+          <p:cNvPr id="2" name="Title 1">
+            <a:extLst>
+              <a:ext uri="{FF2B5EF4-FFF2-40B4-BE49-F238E27FC236}">
                 <a16:creationId xmlns:a16="http://schemas.microsoft.com/office/drawing/2014/main" id="{D7573C90-E8AC-4F70-B63C-E9D1E07713BF}"/>
               </a:ext>
             </a:extLst>
@@ -5105,7 +5413,7 @@
 </p:sld>
 </file>
 
-<file path=ppt/slides/slide7.xml><?xml version="1.0" encoding="utf-8"?>
+<file path=ppt/slides/slide8.xml><?xml version="1.0" encoding="utf-8"?>
 <p:sld xmlns:a="http://schemas.openxmlformats.org/drawingml/2006/main" xmlns:r="http://schemas.openxmlformats.org/officeDocument/2006/relationships" xmlns:p="http://schemas.openxmlformats.org/presentationml/2006/main">
   <p:cSld>
     <p:spTree>
@@ -5263,117 +5571,6 @@
 </p:sld>
 </file>
 
-<file path=ppt/slides/slide8.xml><?xml version="1.0" encoding="utf-8"?>
-<p:sld xmlns:a="http://schemas.openxmlformats.org/drawingml/2006/main" xmlns:r="http://schemas.openxmlformats.org/officeDocument/2006/relationships" xmlns:p="http://schemas.openxmlformats.org/presentationml/2006/main">
-  <p:cSld>
-    <p:spTree>
-      <p:nvGrpSpPr>
-        <p:cNvPr id="1" name=""/>
-        <p:cNvGrpSpPr/>
-        <p:nvPr/>
-      </p:nvGrpSpPr>
-      <p:grpSpPr>
-        <a:xfrm>
-          <a:off x="0" y="0"/>
-          <a:ext cx="0" cy="0"/>
-          <a:chOff x="0" y="0"/>
-          <a:chExt cx="0" cy="0"/>
-        </a:xfrm>
-      </p:grpSpPr>
-      <p:sp>
-        <p:nvSpPr>
-          <p:cNvPr id="2" name="Title 1">
-            <a:extLst>
-              <a:ext uri="{FF2B5EF4-FFF2-40B4-BE49-F238E27FC236}">
-                <a16:creationId xmlns:a16="http://schemas.microsoft.com/office/drawing/2014/main" id="{9C34C1C7-68DD-4F1F-93EC-AB417A0E76D9}"/>
-              </a:ext>
-            </a:extLst>
-          </p:cNvPr>
-          <p:cNvSpPr>
-            <a:spLocks noGrp="1"/>
-          </p:cNvSpPr>
-          <p:nvPr>
-            <p:ph type="title"/>
-          </p:nvPr>
-        </p:nvSpPr>
-        <p:spPr/>
-        <p:txBody>
-          <a:bodyPr/>
-          <a:lstStyle/>
-          <a:p>
-            <a:r>
-              <a:rPr lang="en-GB" dirty="0"/>
-              <a:t>Closed loop: Nearly resonant</a:t>
-            </a:r>
-          </a:p>
-        </p:txBody>
-      </p:sp>
-      <p:sp>
-        <p:nvSpPr>
-          <p:cNvPr id="3" name="Content Placeholder 2">
-            <a:extLst>
-              <a:ext uri="{FF2B5EF4-FFF2-40B4-BE49-F238E27FC236}">
-                <a16:creationId xmlns:a16="http://schemas.microsoft.com/office/drawing/2014/main" id="{DCF70D87-EFF9-4924-8CD8-5078F057A1D8}"/>
-              </a:ext>
-            </a:extLst>
-          </p:cNvPr>
-          <p:cNvSpPr>
-            <a:spLocks noGrp="1"/>
-          </p:cNvSpPr>
-          <p:nvPr>
-            <p:ph idx="1"/>
-          </p:nvPr>
-        </p:nvSpPr>
-        <p:spPr/>
-        <p:txBody>
-          <a:bodyPr/>
-          <a:lstStyle/>
-          <a:p>
-            <a:r>
-              <a:rPr lang="en-GB" dirty="0"/>
-              <a:t>Amplitude given by sec(omega </a:t>
-            </a:r>
-            <a:r>
-              <a:rPr lang="en-GB" dirty="0" err="1"/>
-              <a:t>lz</a:t>
-            </a:r>
-            <a:r>
-              <a:rPr lang="en-GB" dirty="0"/>
-              <a:t> / va0)</a:t>
-            </a:r>
-          </a:p>
-          <a:p>
-            <a:r>
-              <a:rPr lang="en-GB" dirty="0"/>
-              <a:t>Beating frequency given by (omega – </a:t>
-            </a:r>
-            <a:r>
-              <a:rPr lang="en-GB" dirty="0" err="1"/>
-              <a:t>omega_n</a:t>
-            </a:r>
-            <a:r>
-              <a:rPr lang="en-GB" dirty="0"/>
-              <a:t>) / 2</a:t>
-            </a:r>
-          </a:p>
-          <a:p>
-            <a:endParaRPr lang="en-GB" dirty="0"/>
-          </a:p>
-        </p:txBody>
-      </p:sp>
-    </p:spTree>
-    <p:extLst>
-      <p:ext uri="{BB962C8B-B14F-4D97-AF65-F5344CB8AC3E}">
-        <p14:creationId xmlns:p14="http://schemas.microsoft.com/office/powerpoint/2010/main" val="3905683267"/>
-      </p:ext>
-    </p:extLst>
-  </p:cSld>
-  <p:clrMapOvr>
-    <a:masterClrMapping/>
-  </p:clrMapOvr>
-</p:sld>
-</file>
-
 <file path=ppt/slides/slide9.xml><?xml version="1.0" encoding="utf-8"?>
 <p:sld xmlns:a="http://schemas.openxmlformats.org/drawingml/2006/main" xmlns:r="http://schemas.openxmlformats.org/officeDocument/2006/relationships" xmlns:p="http://schemas.openxmlformats.org/presentationml/2006/main">
   <p:cSld>
@@ -5396,7 +5593,7 @@
           <p:cNvPr id="2" name="Title 1">
             <a:extLst>
               <a:ext uri="{FF2B5EF4-FFF2-40B4-BE49-F238E27FC236}">
-                <a16:creationId xmlns:a16="http://schemas.microsoft.com/office/drawing/2014/main" id="{A2C17342-2AEA-459B-807B-C5843AD797C9}"/>
+                <a16:creationId xmlns:a16="http://schemas.microsoft.com/office/drawing/2014/main" id="{9C34C1C7-68DD-4F1F-93EC-AB417A0E76D9}"/>
               </a:ext>
             </a:extLst>
           </p:cNvPr>
@@ -5414,51 +5611,68 @@
           <a:p>
             <a:r>
               <a:rPr lang="en-GB" dirty="0"/>
-              <a:t>Closed loop: </a:t>
+              <a:t>Closed loop: Nearly resonant</a:t>
+            </a:r>
+          </a:p>
+        </p:txBody>
+      </p:sp>
+      <p:sp>
+        <p:nvSpPr>
+          <p:cNvPr id="3" name="Content Placeholder 2">
+            <a:extLst>
+              <a:ext uri="{FF2B5EF4-FFF2-40B4-BE49-F238E27FC236}">
+                <a16:creationId xmlns:a16="http://schemas.microsoft.com/office/drawing/2014/main" id="{DCF70D87-EFF9-4924-8CD8-5078F057A1D8}"/>
+              </a:ext>
+            </a:extLst>
+          </p:cNvPr>
+          <p:cNvSpPr>
+            <a:spLocks noGrp="1"/>
+          </p:cNvSpPr>
+          <p:nvPr>
+            <p:ph idx="1"/>
+          </p:nvPr>
+        </p:nvSpPr>
+        <p:spPr/>
+        <p:txBody>
+          <a:bodyPr/>
+          <a:lstStyle/>
+          <a:p>
+            <a:r>
+              <a:rPr lang="en-GB" dirty="0"/>
+              <a:t>Amplitude given by sec(omega </a:t>
             </a:r>
             <a:r>
               <a:rPr lang="en-GB" dirty="0" err="1"/>
-              <a:t>Antiresonant</a:t>
+              <a:t>lz</a:t>
             </a:r>
             <a:r>
               <a:rPr lang="en-GB" dirty="0"/>
-              <a:t> case</a:t>
-            </a:r>
-          </a:p>
-        </p:txBody>
-      </p:sp>
-      <p:sp>
-        <p:nvSpPr>
-          <p:cNvPr id="3" name="Content Placeholder 2">
-            <a:extLst>
-              <a:ext uri="{FF2B5EF4-FFF2-40B4-BE49-F238E27FC236}">
-                <a16:creationId xmlns:a16="http://schemas.microsoft.com/office/drawing/2014/main" id="{3F75A0ED-38A3-4CB8-85EF-776A76084251}"/>
-              </a:ext>
-            </a:extLst>
-          </p:cNvPr>
-          <p:cNvSpPr>
-            <a:spLocks noGrp="1"/>
-          </p:cNvSpPr>
-          <p:nvPr>
-            <p:ph idx="1"/>
-          </p:nvPr>
-        </p:nvSpPr>
-        <p:spPr/>
-        <p:txBody>
-          <a:bodyPr/>
-          <a:lstStyle/>
+              <a:t> / va0)</a:t>
+            </a:r>
+          </a:p>
           <a:p>
             <a:r>
               <a:rPr lang="en-GB" dirty="0"/>
-              <a:t>Interesting interference pattern</a:t>
-            </a:r>
+              <a:t>Beating frequency given by (omega – </a:t>
+            </a:r>
+            <a:r>
+              <a:rPr lang="en-GB" dirty="0" err="1"/>
+              <a:t>omega_n</a:t>
+            </a:r>
+            <a:r>
+              <a:rPr lang="en-GB" dirty="0"/>
+              <a:t>) / 2</a:t>
+            </a:r>
+          </a:p>
+          <a:p>
+            <a:endParaRPr lang="en-GB" dirty="0"/>
           </a:p>
         </p:txBody>
       </p:sp>
     </p:spTree>
     <p:extLst>
       <p:ext uri="{BB962C8B-B14F-4D97-AF65-F5344CB8AC3E}">
-        <p14:creationId xmlns:p14="http://schemas.microsoft.com/office/powerpoint/2010/main" val="1518458976"/>
+        <p14:creationId xmlns:p14="http://schemas.microsoft.com/office/powerpoint/2010/main" val="3905683267"/>
       </p:ext>
     </p:extLst>
   </p:cSld>
